--- a/lectures/04-16-mon/slides-handout.pptx
+++ b/lectures/04-16-mon/slides-handout.pptx
@@ -6,10 +6,11 @@
   </p:sldMasterIdLst>
   <p:sldIdLst>
     <p:sldId id="256" r:id="rId2"/>
-    <p:sldId id="260" r:id="rId3"/>
-    <p:sldId id="257" r:id="rId4"/>
-    <p:sldId id="258" r:id="rId5"/>
-    <p:sldId id="259" r:id="rId6"/>
+    <p:sldId id="261" r:id="rId3"/>
+    <p:sldId id="260" r:id="rId4"/>
+    <p:sldId id="257" r:id="rId5"/>
+    <p:sldId id="258" r:id="rId6"/>
+    <p:sldId id="259" r:id="rId7"/>
   </p:sldIdLst>
   <p:sldSz cx="6858000" cy="9144000" type="letter"/>
   <p:notesSz cx="6858000" cy="9144000"/>
@@ -6330,6 +6331,2211 @@
       </p:grpSpPr>
       <p:sp>
         <p:nvSpPr>
+          <p:cNvPr id="4" name="Rectangle 3">
+            <a:extLst>
+              <a:ext uri="{FF2B5EF4-FFF2-40B4-BE49-F238E27FC236}">
+                <a16:creationId xmlns:a16="http://schemas.microsoft.com/office/drawing/2014/main" id="{87692968-E830-EB40-AA8E-F2660C1EBC25}"/>
+              </a:ext>
+            </a:extLst>
+          </p:cNvPr>
+          <p:cNvSpPr/>
+          <p:nvPr/>
+        </p:nvSpPr>
+        <p:spPr>
+          <a:xfrm>
+            <a:off x="0" y="0"/>
+            <a:ext cx="2891118" cy="1569660"/>
+          </a:xfrm>
+          <a:prstGeom prst="rect">
+            <a:avLst/>
+          </a:prstGeom>
+        </p:spPr>
+        <p:txBody>
+          <a:bodyPr wrap="square">
+            <a:spAutoFit/>
+          </a:bodyPr>
+          <a:lstStyle/>
+          <a:p>
+            <a:r>
+              <a:rPr lang="en-US" sz="800" dirty="0">
+                <a:latin typeface="Consolas" panose="020B0609020204030204" pitchFamily="49" charset="0"/>
+                <a:cs typeface="Consolas" panose="020B0609020204030204" pitchFamily="49" charset="0"/>
+              </a:rPr>
+              <a:t>(*</a:t>
+            </a:r>
+          </a:p>
+          <a:p>
+            <a:r>
+              <a:rPr lang="en-US" sz="800" dirty="0">
+                <a:latin typeface="Consolas" panose="020B0609020204030204" pitchFamily="49" charset="0"/>
+                <a:cs typeface="Consolas" panose="020B0609020204030204" pitchFamily="49" charset="0"/>
+              </a:rPr>
+              <a:t>expr := &lt;number&gt;</a:t>
+            </a:r>
+          </a:p>
+          <a:p>
+            <a:r>
+              <a:rPr lang="en-US" sz="800" dirty="0">
+                <a:latin typeface="Consolas" panose="020B0609020204030204" pitchFamily="49" charset="0"/>
+                <a:cs typeface="Consolas" panose="020B0609020204030204" pitchFamily="49" charset="0"/>
+              </a:rPr>
+              <a:t>     |  (let (&lt;name&gt; &lt;expr&gt;) &lt;expr&gt;)</a:t>
+            </a:r>
+          </a:p>
+          <a:p>
+            <a:r>
+              <a:rPr lang="en-US" sz="800" dirty="0">
+                <a:latin typeface="Consolas" panose="020B0609020204030204" pitchFamily="49" charset="0"/>
+                <a:cs typeface="Consolas" panose="020B0609020204030204" pitchFamily="49" charset="0"/>
+              </a:rPr>
+              <a:t>     |  (+ &lt;expr&gt; &lt;expr&gt;)</a:t>
+            </a:r>
+          </a:p>
+          <a:p>
+            <a:r>
+              <a:rPr lang="en-US" sz="800" dirty="0">
+                <a:latin typeface="Consolas" panose="020B0609020204030204" pitchFamily="49" charset="0"/>
+                <a:cs typeface="Consolas" panose="020B0609020204030204" pitchFamily="49" charset="0"/>
+              </a:rPr>
+              <a:t>     |  &lt;name&gt;</a:t>
+            </a:r>
+          </a:p>
+          <a:p>
+            <a:r>
+              <a:rPr lang="en-US" sz="800" dirty="0">
+                <a:latin typeface="Consolas" panose="020B0609020204030204" pitchFamily="49" charset="0"/>
+                <a:cs typeface="Consolas" panose="020B0609020204030204" pitchFamily="49" charset="0"/>
+              </a:rPr>
+              <a:t>*)</a:t>
+            </a:r>
+          </a:p>
+          <a:p>
+            <a:r>
+              <a:rPr lang="en-US" sz="800" dirty="0">
+                <a:latin typeface="Consolas" panose="020B0609020204030204" pitchFamily="49" charset="0"/>
+                <a:cs typeface="Consolas" panose="020B0609020204030204" pitchFamily="49" charset="0"/>
+              </a:rPr>
+              <a:t>type expr =</a:t>
+            </a:r>
+          </a:p>
+          <a:p>
+            <a:r>
+              <a:rPr lang="en-US" sz="800" dirty="0">
+                <a:latin typeface="Consolas" panose="020B0609020204030204" pitchFamily="49" charset="0"/>
+                <a:cs typeface="Consolas" panose="020B0609020204030204" pitchFamily="49" charset="0"/>
+              </a:rPr>
+              <a:t>  | </a:t>
+            </a:r>
+            <a:r>
+              <a:rPr lang="en-US" sz="800" dirty="0" err="1">
+                <a:latin typeface="Consolas" panose="020B0609020204030204" pitchFamily="49" charset="0"/>
+                <a:cs typeface="Consolas" panose="020B0609020204030204" pitchFamily="49" charset="0"/>
+              </a:rPr>
+              <a:t>ENum</a:t>
+            </a:r>
+            <a:r>
+              <a:rPr lang="en-US" sz="800" dirty="0">
+                <a:latin typeface="Consolas" panose="020B0609020204030204" pitchFamily="49" charset="0"/>
+                <a:cs typeface="Consolas" panose="020B0609020204030204" pitchFamily="49" charset="0"/>
+              </a:rPr>
+              <a:t> of </a:t>
+            </a:r>
+            <a:r>
+              <a:rPr lang="en-US" sz="800" dirty="0" err="1">
+                <a:latin typeface="Consolas" panose="020B0609020204030204" pitchFamily="49" charset="0"/>
+                <a:cs typeface="Consolas" panose="020B0609020204030204" pitchFamily="49" charset="0"/>
+              </a:rPr>
+              <a:t>int</a:t>
+            </a:r>
+            <a:endParaRPr lang="en-US" sz="800" dirty="0">
+              <a:latin typeface="Consolas" panose="020B0609020204030204" pitchFamily="49" charset="0"/>
+              <a:cs typeface="Consolas" panose="020B0609020204030204" pitchFamily="49" charset="0"/>
+            </a:endParaRPr>
+          </a:p>
+          <a:p>
+            <a:r>
+              <a:rPr lang="en-US" sz="800" dirty="0">
+                <a:latin typeface="Consolas" panose="020B0609020204030204" pitchFamily="49" charset="0"/>
+                <a:cs typeface="Consolas" panose="020B0609020204030204" pitchFamily="49" charset="0"/>
+              </a:rPr>
+              <a:t>  | </a:t>
+            </a:r>
+            <a:r>
+              <a:rPr lang="en-US" sz="800" dirty="0" err="1">
+                <a:latin typeface="Consolas" panose="020B0609020204030204" pitchFamily="49" charset="0"/>
+                <a:cs typeface="Consolas" panose="020B0609020204030204" pitchFamily="49" charset="0"/>
+              </a:rPr>
+              <a:t>EId</a:t>
+            </a:r>
+            <a:r>
+              <a:rPr lang="en-US" sz="800" dirty="0">
+                <a:latin typeface="Consolas" panose="020B0609020204030204" pitchFamily="49" charset="0"/>
+                <a:cs typeface="Consolas" panose="020B0609020204030204" pitchFamily="49" charset="0"/>
+              </a:rPr>
+              <a:t> of string</a:t>
+            </a:r>
+          </a:p>
+          <a:p>
+            <a:r>
+              <a:rPr lang="en-US" sz="800" dirty="0">
+                <a:latin typeface="Consolas" panose="020B0609020204030204" pitchFamily="49" charset="0"/>
+                <a:cs typeface="Consolas" panose="020B0609020204030204" pitchFamily="49" charset="0"/>
+              </a:rPr>
+              <a:t>  | </a:t>
+            </a:r>
+            <a:r>
+              <a:rPr lang="en-US" sz="800" dirty="0" err="1">
+                <a:latin typeface="Consolas" panose="020B0609020204030204" pitchFamily="49" charset="0"/>
+                <a:cs typeface="Consolas" panose="020B0609020204030204" pitchFamily="49" charset="0"/>
+              </a:rPr>
+              <a:t>ELet</a:t>
+            </a:r>
+            <a:r>
+              <a:rPr lang="en-US" sz="800" dirty="0">
+                <a:latin typeface="Consolas" panose="020B0609020204030204" pitchFamily="49" charset="0"/>
+                <a:cs typeface="Consolas" panose="020B0609020204030204" pitchFamily="49" charset="0"/>
+              </a:rPr>
+              <a:t> of string * expr * expr</a:t>
+            </a:r>
+          </a:p>
+          <a:p>
+            <a:r>
+              <a:rPr lang="en-US" sz="800" dirty="0">
+                <a:latin typeface="Consolas" panose="020B0609020204030204" pitchFamily="49" charset="0"/>
+                <a:cs typeface="Consolas" panose="020B0609020204030204" pitchFamily="49" charset="0"/>
+              </a:rPr>
+              <a:t>  | </a:t>
+            </a:r>
+            <a:r>
+              <a:rPr lang="en-US" sz="800" dirty="0" err="1">
+                <a:latin typeface="Consolas" panose="020B0609020204030204" pitchFamily="49" charset="0"/>
+                <a:cs typeface="Consolas" panose="020B0609020204030204" pitchFamily="49" charset="0"/>
+              </a:rPr>
+              <a:t>EPlus</a:t>
+            </a:r>
+            <a:r>
+              <a:rPr lang="en-US" sz="800" dirty="0">
+                <a:latin typeface="Consolas" panose="020B0609020204030204" pitchFamily="49" charset="0"/>
+                <a:cs typeface="Consolas" panose="020B0609020204030204" pitchFamily="49" charset="0"/>
+              </a:rPr>
+              <a:t> of expr * expr</a:t>
+            </a:r>
+          </a:p>
+          <a:p>
+            <a:endParaRPr lang="en-US" sz="800" dirty="0">
+              <a:latin typeface="Consolas" panose="020B0609020204030204" pitchFamily="49" charset="0"/>
+              <a:cs typeface="Consolas" panose="020B0609020204030204" pitchFamily="49" charset="0"/>
+            </a:endParaRPr>
+          </a:p>
+        </p:txBody>
+      </p:sp>
+      <p:sp>
+        <p:nvSpPr>
+          <p:cNvPr id="5" name="Rectangle 4">
+            <a:extLst>
+              <a:ext uri="{FF2B5EF4-FFF2-40B4-BE49-F238E27FC236}">
+                <a16:creationId xmlns:a16="http://schemas.microsoft.com/office/drawing/2014/main" id="{9044CC6A-E4F6-DD47-999D-18861C9A15C0}"/>
+              </a:ext>
+            </a:extLst>
+          </p:cNvPr>
+          <p:cNvSpPr/>
+          <p:nvPr/>
+        </p:nvSpPr>
+        <p:spPr>
+          <a:xfrm>
+            <a:off x="3429000" y="612036"/>
+            <a:ext cx="3785347" cy="707886"/>
+          </a:xfrm>
+          <a:prstGeom prst="rect">
+            <a:avLst/>
+          </a:prstGeom>
+        </p:spPr>
+        <p:txBody>
+          <a:bodyPr wrap="square">
+            <a:spAutoFit/>
+          </a:bodyPr>
+          <a:lstStyle/>
+          <a:p>
+            <a:r>
+              <a:rPr lang="en-US" sz="800" dirty="0">
+                <a:latin typeface="Consolas" panose="020B0609020204030204" pitchFamily="49" charset="0"/>
+                <a:cs typeface="Consolas" panose="020B0609020204030204" pitchFamily="49" charset="0"/>
+              </a:rPr>
+              <a:t>(* Assume </a:t>
+            </a:r>
+            <a:r>
+              <a:rPr lang="en-US" sz="800" dirty="0" err="1">
+                <a:latin typeface="Consolas" panose="020B0609020204030204" pitchFamily="49" charset="0"/>
+                <a:cs typeface="Consolas" panose="020B0609020204030204" pitchFamily="49" charset="0"/>
+              </a:rPr>
+              <a:t>si</a:t>
+            </a:r>
+            <a:r>
+              <a:rPr lang="en-US" sz="800" dirty="0">
+                <a:latin typeface="Consolas" panose="020B0609020204030204" pitchFamily="49" charset="0"/>
+                <a:cs typeface="Consolas" panose="020B0609020204030204" pitchFamily="49" charset="0"/>
+              </a:rPr>
+              <a:t> starts at 1 in the first call *)</a:t>
+            </a:r>
+          </a:p>
+          <a:p>
+            <a:r>
+              <a:rPr lang="en-US" sz="800" dirty="0">
+                <a:latin typeface="Consolas" panose="020B0609020204030204" pitchFamily="49" charset="0"/>
+                <a:cs typeface="Consolas" panose="020B0609020204030204" pitchFamily="49" charset="0"/>
+              </a:rPr>
+              <a:t>let rec </a:t>
+            </a:r>
+            <a:r>
+              <a:rPr lang="en-US" sz="800" dirty="0" err="1">
+                <a:latin typeface="Consolas" panose="020B0609020204030204" pitchFamily="49" charset="0"/>
+                <a:cs typeface="Consolas" panose="020B0609020204030204" pitchFamily="49" charset="0"/>
+              </a:rPr>
+              <a:t>e_to_is</a:t>
+            </a:r>
+            <a:r>
+              <a:rPr lang="en-US" sz="800" dirty="0">
+                <a:latin typeface="Consolas" panose="020B0609020204030204" pitchFamily="49" charset="0"/>
+                <a:cs typeface="Consolas" panose="020B0609020204030204" pitchFamily="49" charset="0"/>
+              </a:rPr>
+              <a:t> (e : expr) (</a:t>
+            </a:r>
+            <a:r>
+              <a:rPr lang="en-US" sz="800" dirty="0" err="1">
+                <a:latin typeface="Consolas" panose="020B0609020204030204" pitchFamily="49" charset="0"/>
+                <a:cs typeface="Consolas" panose="020B0609020204030204" pitchFamily="49" charset="0"/>
+              </a:rPr>
+              <a:t>si</a:t>
+            </a:r>
+            <a:r>
+              <a:rPr lang="en-US" sz="800" dirty="0">
+                <a:latin typeface="Consolas" panose="020B0609020204030204" pitchFamily="49" charset="0"/>
+                <a:cs typeface="Consolas" panose="020B0609020204030204" pitchFamily="49" charset="0"/>
+              </a:rPr>
+              <a:t> : </a:t>
+            </a:r>
+            <a:r>
+              <a:rPr lang="en-US" sz="800" dirty="0" err="1">
+                <a:latin typeface="Consolas" panose="020B0609020204030204" pitchFamily="49" charset="0"/>
+                <a:cs typeface="Consolas" panose="020B0609020204030204" pitchFamily="49" charset="0"/>
+              </a:rPr>
+              <a:t>int</a:t>
+            </a:r>
+            <a:r>
+              <a:rPr lang="en-US" sz="800" dirty="0">
+                <a:latin typeface="Consolas" panose="020B0609020204030204" pitchFamily="49" charset="0"/>
+                <a:cs typeface="Consolas" panose="020B0609020204030204" pitchFamily="49" charset="0"/>
+              </a:rPr>
+              <a:t>) (</a:t>
+            </a:r>
+            <a:r>
+              <a:rPr lang="en-US" sz="800" dirty="0" err="1">
+                <a:latin typeface="Consolas" panose="020B0609020204030204" pitchFamily="49" charset="0"/>
+                <a:cs typeface="Consolas" panose="020B0609020204030204" pitchFamily="49" charset="0"/>
+              </a:rPr>
+              <a:t>env</a:t>
+            </a:r>
+            <a:r>
+              <a:rPr lang="en-US" sz="800" dirty="0">
+                <a:latin typeface="Consolas" panose="020B0609020204030204" pitchFamily="49" charset="0"/>
+                <a:cs typeface="Consolas" panose="020B0609020204030204" pitchFamily="49" charset="0"/>
+              </a:rPr>
+              <a:t> : </a:t>
+            </a:r>
+            <a:r>
+              <a:rPr lang="en-US" sz="800" dirty="0" err="1">
+                <a:latin typeface="Consolas" panose="020B0609020204030204" pitchFamily="49" charset="0"/>
+                <a:cs typeface="Consolas" panose="020B0609020204030204" pitchFamily="49" charset="0"/>
+              </a:rPr>
+              <a:t>tenv</a:t>
+            </a:r>
+            <a:r>
+              <a:rPr lang="en-US" sz="800" dirty="0">
+                <a:latin typeface="Consolas" panose="020B0609020204030204" pitchFamily="49" charset="0"/>
+                <a:cs typeface="Consolas" panose="020B0609020204030204" pitchFamily="49" charset="0"/>
+              </a:rPr>
+              <a:t>) =</a:t>
+            </a:r>
+          </a:p>
+          <a:p>
+            <a:r>
+              <a:rPr lang="en-US" sz="800" dirty="0">
+                <a:latin typeface="Consolas" panose="020B0609020204030204" pitchFamily="49" charset="0"/>
+                <a:cs typeface="Consolas" panose="020B0609020204030204" pitchFamily="49" charset="0"/>
+              </a:rPr>
+              <a:t>  match e with</a:t>
+            </a:r>
+          </a:p>
+          <a:p>
+            <a:r>
+              <a:rPr lang="en-US" sz="800" dirty="0">
+                <a:latin typeface="Consolas" panose="020B0609020204030204" pitchFamily="49" charset="0"/>
+                <a:cs typeface="Consolas" panose="020B0609020204030204" pitchFamily="49" charset="0"/>
+              </a:rPr>
+              <a:t>    | </a:t>
+            </a:r>
+            <a:r>
+              <a:rPr lang="en-US" sz="800" dirty="0" err="1">
+                <a:latin typeface="Consolas" panose="020B0609020204030204" pitchFamily="49" charset="0"/>
+                <a:cs typeface="Consolas" panose="020B0609020204030204" pitchFamily="49" charset="0"/>
+              </a:rPr>
+              <a:t>EPlus</a:t>
+            </a:r>
+            <a:r>
+              <a:rPr lang="en-US" sz="800" dirty="0">
+                <a:latin typeface="Consolas" panose="020B0609020204030204" pitchFamily="49" charset="0"/>
+                <a:cs typeface="Consolas" panose="020B0609020204030204" pitchFamily="49" charset="0"/>
+              </a:rPr>
+              <a:t>(e1, e2) -&gt;</a:t>
+            </a:r>
+          </a:p>
+          <a:p>
+            <a:endParaRPr lang="en-US" sz="800" dirty="0">
+              <a:latin typeface="Consolas" panose="020B0609020204030204" pitchFamily="49" charset="0"/>
+              <a:cs typeface="Consolas" panose="020B0609020204030204" pitchFamily="49" charset="0"/>
+            </a:endParaRPr>
+          </a:p>
+        </p:txBody>
+      </p:sp>
+      <p:sp>
+        <p:nvSpPr>
+          <p:cNvPr id="6" name="Rectangle 5">
+            <a:extLst>
+              <a:ext uri="{FF2B5EF4-FFF2-40B4-BE49-F238E27FC236}">
+                <a16:creationId xmlns:a16="http://schemas.microsoft.com/office/drawing/2014/main" id="{3E0DFF0D-7FF7-124B-B35B-9CBC6204290F}"/>
+              </a:ext>
+            </a:extLst>
+          </p:cNvPr>
+          <p:cNvSpPr/>
+          <p:nvPr/>
+        </p:nvSpPr>
+        <p:spPr>
+          <a:xfrm>
+            <a:off x="3429000" y="92333"/>
+            <a:ext cx="3429000" cy="461665"/>
+          </a:xfrm>
+          <a:prstGeom prst="rect">
+            <a:avLst/>
+          </a:prstGeom>
+        </p:spPr>
+        <p:txBody>
+          <a:bodyPr>
+            <a:spAutoFit/>
+          </a:bodyPr>
+          <a:lstStyle/>
+          <a:p>
+            <a:r>
+              <a:rPr lang="en-US" sz="800" dirty="0">
+                <a:latin typeface="Consolas" panose="020B0609020204030204" pitchFamily="49" charset="0"/>
+                <a:cs typeface="Consolas" panose="020B0609020204030204" pitchFamily="49" charset="0"/>
+              </a:rPr>
+              <a:t>let </a:t>
+            </a:r>
+            <a:r>
+              <a:rPr lang="en-US" sz="800" dirty="0" err="1">
+                <a:latin typeface="Consolas" panose="020B0609020204030204" pitchFamily="49" charset="0"/>
+                <a:cs typeface="Consolas" panose="020B0609020204030204" pitchFamily="49" charset="0"/>
+              </a:rPr>
+              <a:t>stackloc</a:t>
+            </a:r>
+            <a:r>
+              <a:rPr lang="en-US" sz="800" dirty="0">
+                <a:latin typeface="Consolas" panose="020B0609020204030204" pitchFamily="49" charset="0"/>
+                <a:cs typeface="Consolas" panose="020B0609020204030204" pitchFamily="49" charset="0"/>
+              </a:rPr>
+              <a:t> </a:t>
+            </a:r>
+            <a:r>
+              <a:rPr lang="en-US" sz="800" dirty="0" err="1">
+                <a:latin typeface="Consolas" panose="020B0609020204030204" pitchFamily="49" charset="0"/>
+                <a:cs typeface="Consolas" panose="020B0609020204030204" pitchFamily="49" charset="0"/>
+              </a:rPr>
+              <a:t>i</a:t>
+            </a:r>
+            <a:r>
+              <a:rPr lang="en-US" sz="800" dirty="0">
+                <a:latin typeface="Consolas" panose="020B0609020204030204" pitchFamily="49" charset="0"/>
+                <a:cs typeface="Consolas" panose="020B0609020204030204" pitchFamily="49" charset="0"/>
+              </a:rPr>
+              <a:t> = (</a:t>
+            </a:r>
+            <a:r>
+              <a:rPr lang="en-US" sz="800" dirty="0" err="1">
+                <a:latin typeface="Consolas" panose="020B0609020204030204" pitchFamily="49" charset="0"/>
+                <a:cs typeface="Consolas" panose="020B0609020204030204" pitchFamily="49" charset="0"/>
+              </a:rPr>
+              <a:t>i</a:t>
+            </a:r>
+            <a:r>
+              <a:rPr lang="en-US" sz="800" dirty="0">
+                <a:latin typeface="Consolas" panose="020B0609020204030204" pitchFamily="49" charset="0"/>
+                <a:cs typeface="Consolas" panose="020B0609020204030204" pitchFamily="49" charset="0"/>
+              </a:rPr>
+              <a:t> * 4)</a:t>
+            </a:r>
+          </a:p>
+          <a:p>
+            <a:r>
+              <a:rPr lang="en-US" sz="800" dirty="0">
+                <a:latin typeface="Consolas" panose="020B0609020204030204" pitchFamily="49" charset="0"/>
+                <a:cs typeface="Consolas" panose="020B0609020204030204" pitchFamily="49" charset="0"/>
+              </a:rPr>
+              <a:t>let </a:t>
+            </a:r>
+            <a:r>
+              <a:rPr lang="en-US" sz="800" dirty="0" err="1">
+                <a:latin typeface="Consolas" panose="020B0609020204030204" pitchFamily="49" charset="0"/>
+                <a:cs typeface="Consolas" panose="020B0609020204030204" pitchFamily="49" charset="0"/>
+              </a:rPr>
+              <a:t>stackval</a:t>
+            </a:r>
+            <a:r>
+              <a:rPr lang="en-US" sz="800" dirty="0">
+                <a:latin typeface="Consolas" panose="020B0609020204030204" pitchFamily="49" charset="0"/>
+                <a:cs typeface="Consolas" panose="020B0609020204030204" pitchFamily="49" charset="0"/>
+              </a:rPr>
+              <a:t> </a:t>
+            </a:r>
+            <a:r>
+              <a:rPr lang="en-US" sz="800" dirty="0" err="1">
+                <a:latin typeface="Consolas" panose="020B0609020204030204" pitchFamily="49" charset="0"/>
+                <a:cs typeface="Consolas" panose="020B0609020204030204" pitchFamily="49" charset="0"/>
+              </a:rPr>
+              <a:t>i</a:t>
+            </a:r>
+            <a:r>
+              <a:rPr lang="en-US" sz="800" dirty="0">
+                <a:latin typeface="Consolas" panose="020B0609020204030204" pitchFamily="49" charset="0"/>
+                <a:cs typeface="Consolas" panose="020B0609020204030204" pitchFamily="49" charset="0"/>
+              </a:rPr>
+              <a:t> = </a:t>
+            </a:r>
+            <a:r>
+              <a:rPr lang="en-US" sz="800" dirty="0" err="1">
+                <a:latin typeface="Consolas" panose="020B0609020204030204" pitchFamily="49" charset="0"/>
+                <a:cs typeface="Consolas" panose="020B0609020204030204" pitchFamily="49" charset="0"/>
+              </a:rPr>
+              <a:t>sprintf</a:t>
+            </a:r>
+            <a:r>
+              <a:rPr lang="en-US" sz="800" dirty="0">
+                <a:latin typeface="Consolas" panose="020B0609020204030204" pitchFamily="49" charset="0"/>
+                <a:cs typeface="Consolas" panose="020B0609020204030204" pitchFamily="49" charset="0"/>
+              </a:rPr>
+              <a:t> "[</a:t>
+            </a:r>
+            <a:r>
+              <a:rPr lang="en-US" sz="800" dirty="0" err="1">
+                <a:latin typeface="Consolas" panose="020B0609020204030204" pitchFamily="49" charset="0"/>
+                <a:cs typeface="Consolas" panose="020B0609020204030204" pitchFamily="49" charset="0"/>
+              </a:rPr>
+              <a:t>esp</a:t>
+            </a:r>
+            <a:r>
+              <a:rPr lang="en-US" sz="800" dirty="0">
+                <a:latin typeface="Consolas" panose="020B0609020204030204" pitchFamily="49" charset="0"/>
+                <a:cs typeface="Consolas" panose="020B0609020204030204" pitchFamily="49" charset="0"/>
+              </a:rPr>
+              <a:t> - %d]" (</a:t>
+            </a:r>
+            <a:r>
+              <a:rPr lang="en-US" sz="800" dirty="0" err="1">
+                <a:latin typeface="Consolas" panose="020B0609020204030204" pitchFamily="49" charset="0"/>
+                <a:cs typeface="Consolas" panose="020B0609020204030204" pitchFamily="49" charset="0"/>
+              </a:rPr>
+              <a:t>stackloc</a:t>
+            </a:r>
+            <a:r>
+              <a:rPr lang="en-US" sz="800" dirty="0">
+                <a:latin typeface="Consolas" panose="020B0609020204030204" pitchFamily="49" charset="0"/>
+                <a:cs typeface="Consolas" panose="020B0609020204030204" pitchFamily="49" charset="0"/>
+              </a:rPr>
+              <a:t> </a:t>
+            </a:r>
+            <a:r>
+              <a:rPr lang="en-US" sz="800" dirty="0" err="1">
+                <a:latin typeface="Consolas" panose="020B0609020204030204" pitchFamily="49" charset="0"/>
+                <a:cs typeface="Consolas" panose="020B0609020204030204" pitchFamily="49" charset="0"/>
+              </a:rPr>
+              <a:t>i</a:t>
+            </a:r>
+            <a:r>
+              <a:rPr lang="en-US" sz="800" dirty="0">
+                <a:latin typeface="Consolas" panose="020B0609020204030204" pitchFamily="49" charset="0"/>
+                <a:cs typeface="Consolas" panose="020B0609020204030204" pitchFamily="49" charset="0"/>
+              </a:rPr>
+              <a:t>)</a:t>
+            </a:r>
+          </a:p>
+          <a:p>
+            <a:r>
+              <a:rPr lang="en-US" sz="800" dirty="0">
+                <a:latin typeface="Consolas" panose="020B0609020204030204" pitchFamily="49" charset="0"/>
+                <a:cs typeface="Consolas" panose="020B0609020204030204" pitchFamily="49" charset="0"/>
+              </a:rPr>
+              <a:t>type </a:t>
+            </a:r>
+            <a:r>
+              <a:rPr lang="en-US" sz="800" dirty="0" err="1">
+                <a:latin typeface="Consolas" panose="020B0609020204030204" pitchFamily="49" charset="0"/>
+                <a:cs typeface="Consolas" panose="020B0609020204030204" pitchFamily="49" charset="0"/>
+              </a:rPr>
+              <a:t>tenv</a:t>
+            </a:r>
+            <a:r>
+              <a:rPr lang="en-US" sz="800" dirty="0">
+                <a:latin typeface="Consolas" panose="020B0609020204030204" pitchFamily="49" charset="0"/>
+                <a:cs typeface="Consolas" panose="020B0609020204030204" pitchFamily="49" charset="0"/>
+              </a:rPr>
+              <a:t> = (string * </a:t>
+            </a:r>
+            <a:r>
+              <a:rPr lang="en-US" sz="800" dirty="0" err="1">
+                <a:latin typeface="Consolas" panose="020B0609020204030204" pitchFamily="49" charset="0"/>
+                <a:cs typeface="Consolas" panose="020B0609020204030204" pitchFamily="49" charset="0"/>
+              </a:rPr>
+              <a:t>int</a:t>
+            </a:r>
+            <a:r>
+              <a:rPr lang="en-US" sz="800" dirty="0">
+                <a:latin typeface="Consolas" panose="020B0609020204030204" pitchFamily="49" charset="0"/>
+                <a:cs typeface="Consolas" panose="020B0609020204030204" pitchFamily="49" charset="0"/>
+              </a:rPr>
+              <a:t>) list</a:t>
+            </a:r>
+          </a:p>
+        </p:txBody>
+      </p:sp>
+      <p:sp>
+        <p:nvSpPr>
+          <p:cNvPr id="7" name="Rectangle 6">
+            <a:extLst>
+              <a:ext uri="{FF2B5EF4-FFF2-40B4-BE49-F238E27FC236}">
+                <a16:creationId xmlns:a16="http://schemas.microsoft.com/office/drawing/2014/main" id="{C4C913D0-4AFA-3849-8DCB-0307372BBED4}"/>
+              </a:ext>
+            </a:extLst>
+          </p:cNvPr>
+          <p:cNvSpPr/>
+          <p:nvPr/>
+        </p:nvSpPr>
+        <p:spPr>
+          <a:xfrm>
+            <a:off x="806823" y="1605977"/>
+            <a:ext cx="1949824" cy="830997"/>
+          </a:xfrm>
+          <a:prstGeom prst="rect">
+            <a:avLst/>
+          </a:prstGeom>
+        </p:spPr>
+        <p:txBody>
+          <a:bodyPr wrap="square">
+            <a:spAutoFit/>
+          </a:bodyPr>
+          <a:lstStyle/>
+          <a:p>
+            <a:r>
+              <a:rPr lang="en-US" sz="800" dirty="0">
+                <a:latin typeface="Consolas" panose="020B0609020204030204" pitchFamily="49" charset="0"/>
+                <a:cs typeface="Consolas" panose="020B0609020204030204" pitchFamily="49" charset="0"/>
+              </a:rPr>
+              <a:t>let e1is = </a:t>
+            </a:r>
+            <a:r>
+              <a:rPr lang="en-US" sz="800" dirty="0" err="1">
+                <a:latin typeface="Consolas" panose="020B0609020204030204" pitchFamily="49" charset="0"/>
+                <a:cs typeface="Consolas" panose="020B0609020204030204" pitchFamily="49" charset="0"/>
+              </a:rPr>
+              <a:t>e_to_is</a:t>
+            </a:r>
+            <a:r>
+              <a:rPr lang="en-US" sz="800" dirty="0">
+                <a:latin typeface="Consolas" panose="020B0609020204030204" pitchFamily="49" charset="0"/>
+                <a:cs typeface="Consolas" panose="020B0609020204030204" pitchFamily="49" charset="0"/>
+              </a:rPr>
+              <a:t> e1 </a:t>
+            </a:r>
+            <a:r>
+              <a:rPr lang="en-US" sz="800" dirty="0" err="1">
+                <a:latin typeface="Consolas" panose="020B0609020204030204" pitchFamily="49" charset="0"/>
+                <a:cs typeface="Consolas" panose="020B0609020204030204" pitchFamily="49" charset="0"/>
+              </a:rPr>
+              <a:t>si</a:t>
+            </a:r>
+            <a:r>
+              <a:rPr lang="en-US" sz="800" dirty="0">
+                <a:latin typeface="Consolas" panose="020B0609020204030204" pitchFamily="49" charset="0"/>
+                <a:cs typeface="Consolas" panose="020B0609020204030204" pitchFamily="49" charset="0"/>
+              </a:rPr>
+              <a:t> </a:t>
+            </a:r>
+            <a:r>
+              <a:rPr lang="en-US" sz="800" dirty="0" err="1">
+                <a:latin typeface="Consolas" panose="020B0609020204030204" pitchFamily="49" charset="0"/>
+                <a:cs typeface="Consolas" panose="020B0609020204030204" pitchFamily="49" charset="0"/>
+              </a:rPr>
+              <a:t>env</a:t>
+            </a:r>
+            <a:r>
+              <a:rPr lang="en-US" sz="800" dirty="0">
+                <a:latin typeface="Consolas" panose="020B0609020204030204" pitchFamily="49" charset="0"/>
+                <a:cs typeface="Consolas" panose="020B0609020204030204" pitchFamily="49" charset="0"/>
+              </a:rPr>
+              <a:t> in</a:t>
+            </a:r>
+          </a:p>
+          <a:p>
+            <a:r>
+              <a:rPr lang="en-US" sz="800" dirty="0">
+                <a:latin typeface="Consolas" panose="020B0609020204030204" pitchFamily="49" charset="0"/>
+                <a:cs typeface="Consolas" panose="020B0609020204030204" pitchFamily="49" charset="0"/>
+              </a:rPr>
+              <a:t>let e2is = </a:t>
+            </a:r>
+            <a:r>
+              <a:rPr lang="en-US" sz="800" dirty="0" err="1">
+                <a:latin typeface="Consolas" panose="020B0609020204030204" pitchFamily="49" charset="0"/>
+                <a:cs typeface="Consolas" panose="020B0609020204030204" pitchFamily="49" charset="0"/>
+              </a:rPr>
+              <a:t>e_to_is</a:t>
+            </a:r>
+            <a:r>
+              <a:rPr lang="en-US" sz="800" dirty="0">
+                <a:latin typeface="Consolas" panose="020B0609020204030204" pitchFamily="49" charset="0"/>
+                <a:cs typeface="Consolas" panose="020B0609020204030204" pitchFamily="49" charset="0"/>
+              </a:rPr>
+              <a:t> e2 </a:t>
+            </a:r>
+            <a:r>
+              <a:rPr lang="en-US" sz="800" dirty="0" err="1">
+                <a:latin typeface="Consolas" panose="020B0609020204030204" pitchFamily="49" charset="0"/>
+                <a:cs typeface="Consolas" panose="020B0609020204030204" pitchFamily="49" charset="0"/>
+              </a:rPr>
+              <a:t>si</a:t>
+            </a:r>
+            <a:r>
+              <a:rPr lang="en-US" sz="800" dirty="0">
+                <a:latin typeface="Consolas" panose="020B0609020204030204" pitchFamily="49" charset="0"/>
+                <a:cs typeface="Consolas" panose="020B0609020204030204" pitchFamily="49" charset="0"/>
+              </a:rPr>
+              <a:t> </a:t>
+            </a:r>
+            <a:r>
+              <a:rPr lang="en-US" sz="800" dirty="0" err="1">
+                <a:latin typeface="Consolas" panose="020B0609020204030204" pitchFamily="49" charset="0"/>
+                <a:cs typeface="Consolas" panose="020B0609020204030204" pitchFamily="49" charset="0"/>
+              </a:rPr>
+              <a:t>env</a:t>
+            </a:r>
+            <a:r>
+              <a:rPr lang="en-US" sz="800" dirty="0">
+                <a:latin typeface="Consolas" panose="020B0609020204030204" pitchFamily="49" charset="0"/>
+                <a:cs typeface="Consolas" panose="020B0609020204030204" pitchFamily="49" charset="0"/>
+              </a:rPr>
+              <a:t> in</a:t>
+            </a:r>
+          </a:p>
+          <a:p>
+            <a:r>
+              <a:rPr lang="en-US" sz="800" dirty="0">
+                <a:latin typeface="Consolas" panose="020B0609020204030204" pitchFamily="49" charset="0"/>
+                <a:cs typeface="Consolas" panose="020B0609020204030204" pitchFamily="49" charset="0"/>
+              </a:rPr>
+              <a:t>e1is @</a:t>
+            </a:r>
+          </a:p>
+          <a:p>
+            <a:r>
+              <a:rPr lang="en-US" sz="800" dirty="0">
+                <a:latin typeface="Consolas" panose="020B0609020204030204" pitchFamily="49" charset="0"/>
+                <a:cs typeface="Consolas" panose="020B0609020204030204" pitchFamily="49" charset="0"/>
+              </a:rPr>
+              <a:t>["</a:t>
+            </a:r>
+            <a:r>
+              <a:rPr lang="en-US" sz="800" dirty="0" err="1">
+                <a:latin typeface="Consolas" panose="020B0609020204030204" pitchFamily="49" charset="0"/>
+                <a:cs typeface="Consolas" panose="020B0609020204030204" pitchFamily="49" charset="0"/>
+              </a:rPr>
+              <a:t>mov</a:t>
+            </a:r>
+            <a:r>
+              <a:rPr lang="en-US" sz="800" dirty="0">
+                <a:latin typeface="Consolas" panose="020B0609020204030204" pitchFamily="49" charset="0"/>
+                <a:cs typeface="Consolas" panose="020B0609020204030204" pitchFamily="49" charset="0"/>
+              </a:rPr>
+              <a:t> </a:t>
+            </a:r>
+            <a:r>
+              <a:rPr lang="en-US" sz="800" dirty="0" err="1">
+                <a:latin typeface="Consolas" panose="020B0609020204030204" pitchFamily="49" charset="0"/>
+                <a:cs typeface="Consolas" panose="020B0609020204030204" pitchFamily="49" charset="0"/>
+              </a:rPr>
+              <a:t>ebx</a:t>
+            </a:r>
+            <a:r>
+              <a:rPr lang="en-US" sz="800" dirty="0">
+                <a:latin typeface="Consolas" panose="020B0609020204030204" pitchFamily="49" charset="0"/>
+                <a:cs typeface="Consolas" panose="020B0609020204030204" pitchFamily="49" charset="0"/>
+              </a:rPr>
+              <a:t>, </a:t>
+            </a:r>
+            <a:r>
+              <a:rPr lang="en-US" sz="800" dirty="0" err="1">
+                <a:latin typeface="Consolas" panose="020B0609020204030204" pitchFamily="49" charset="0"/>
+                <a:cs typeface="Consolas" panose="020B0609020204030204" pitchFamily="49" charset="0"/>
+              </a:rPr>
+              <a:t>eax</a:t>
+            </a:r>
+            <a:r>
+              <a:rPr lang="en-US" sz="800" dirty="0">
+                <a:latin typeface="Consolas" panose="020B0609020204030204" pitchFamily="49" charset="0"/>
+                <a:cs typeface="Consolas" panose="020B0609020204030204" pitchFamily="49" charset="0"/>
+              </a:rPr>
+              <a:t>"] @</a:t>
+            </a:r>
+          </a:p>
+          <a:p>
+            <a:r>
+              <a:rPr lang="en-US" sz="800" dirty="0">
+                <a:latin typeface="Consolas" panose="020B0609020204030204" pitchFamily="49" charset="0"/>
+                <a:cs typeface="Consolas" panose="020B0609020204030204" pitchFamily="49" charset="0"/>
+              </a:rPr>
+              <a:t>e2is @</a:t>
+            </a:r>
+          </a:p>
+          <a:p>
+            <a:r>
+              <a:rPr lang="en-US" sz="800" dirty="0">
+                <a:latin typeface="Consolas" panose="020B0609020204030204" pitchFamily="49" charset="0"/>
+                <a:cs typeface="Consolas" panose="020B0609020204030204" pitchFamily="49" charset="0"/>
+              </a:rPr>
+              <a:t>["add </a:t>
+            </a:r>
+            <a:r>
+              <a:rPr lang="en-US" sz="800" dirty="0" err="1">
+                <a:latin typeface="Consolas" panose="020B0609020204030204" pitchFamily="49" charset="0"/>
+                <a:cs typeface="Consolas" panose="020B0609020204030204" pitchFamily="49" charset="0"/>
+              </a:rPr>
+              <a:t>eax</a:t>
+            </a:r>
+            <a:r>
+              <a:rPr lang="en-US" sz="800" dirty="0">
+                <a:latin typeface="Consolas" panose="020B0609020204030204" pitchFamily="49" charset="0"/>
+                <a:cs typeface="Consolas" panose="020B0609020204030204" pitchFamily="49" charset="0"/>
+              </a:rPr>
+              <a:t>, </a:t>
+            </a:r>
+            <a:r>
+              <a:rPr lang="en-US" sz="800" dirty="0" err="1">
+                <a:latin typeface="Consolas" panose="020B0609020204030204" pitchFamily="49" charset="0"/>
+                <a:cs typeface="Consolas" panose="020B0609020204030204" pitchFamily="49" charset="0"/>
+              </a:rPr>
+              <a:t>ebx</a:t>
+            </a:r>
+            <a:r>
+              <a:rPr lang="en-US" sz="800" dirty="0">
+                <a:latin typeface="Consolas" panose="020B0609020204030204" pitchFamily="49" charset="0"/>
+                <a:cs typeface="Consolas" panose="020B0609020204030204" pitchFamily="49" charset="0"/>
+              </a:rPr>
+              <a:t>"]</a:t>
+            </a:r>
+          </a:p>
+        </p:txBody>
+      </p:sp>
+      <p:sp>
+        <p:nvSpPr>
+          <p:cNvPr id="9" name="Rectangle 8">
+            <a:extLst>
+              <a:ext uri="{FF2B5EF4-FFF2-40B4-BE49-F238E27FC236}">
+                <a16:creationId xmlns:a16="http://schemas.microsoft.com/office/drawing/2014/main" id="{C574AF79-E72D-8144-8DEC-98F6CA4A6FDA}"/>
+              </a:ext>
+            </a:extLst>
+          </p:cNvPr>
+          <p:cNvSpPr/>
+          <p:nvPr/>
+        </p:nvSpPr>
+        <p:spPr>
+          <a:xfrm>
+            <a:off x="3429000" y="1590619"/>
+            <a:ext cx="3133165" cy="1077218"/>
+          </a:xfrm>
+          <a:prstGeom prst="rect">
+            <a:avLst/>
+          </a:prstGeom>
+        </p:spPr>
+        <p:txBody>
+          <a:bodyPr wrap="square">
+            <a:spAutoFit/>
+          </a:bodyPr>
+          <a:lstStyle/>
+          <a:p>
+            <a:r>
+              <a:rPr lang="en-US" sz="800" dirty="0">
+                <a:latin typeface="Consolas" panose="020B0609020204030204" pitchFamily="49" charset="0"/>
+                <a:cs typeface="Consolas" panose="020B0609020204030204" pitchFamily="49" charset="0"/>
+              </a:rPr>
+              <a:t>let e1is = </a:t>
+            </a:r>
+            <a:r>
+              <a:rPr lang="en-US" sz="800" dirty="0" err="1">
+                <a:latin typeface="Consolas" panose="020B0609020204030204" pitchFamily="49" charset="0"/>
+                <a:cs typeface="Consolas" panose="020B0609020204030204" pitchFamily="49" charset="0"/>
+              </a:rPr>
+              <a:t>e_to_is</a:t>
+            </a:r>
+            <a:r>
+              <a:rPr lang="en-US" sz="800" dirty="0">
+                <a:latin typeface="Consolas" panose="020B0609020204030204" pitchFamily="49" charset="0"/>
+                <a:cs typeface="Consolas" panose="020B0609020204030204" pitchFamily="49" charset="0"/>
+              </a:rPr>
+              <a:t> e1 </a:t>
+            </a:r>
+            <a:r>
+              <a:rPr lang="en-US" sz="800" dirty="0" err="1">
+                <a:latin typeface="Consolas" panose="020B0609020204030204" pitchFamily="49" charset="0"/>
+                <a:cs typeface="Consolas" panose="020B0609020204030204" pitchFamily="49" charset="0"/>
+              </a:rPr>
+              <a:t>si</a:t>
+            </a:r>
+            <a:r>
+              <a:rPr lang="en-US" sz="800" dirty="0">
+                <a:latin typeface="Consolas" panose="020B0609020204030204" pitchFamily="49" charset="0"/>
+                <a:cs typeface="Consolas" panose="020B0609020204030204" pitchFamily="49" charset="0"/>
+              </a:rPr>
+              <a:t> </a:t>
+            </a:r>
+            <a:r>
+              <a:rPr lang="en-US" sz="800" dirty="0" err="1">
+                <a:latin typeface="Consolas" panose="020B0609020204030204" pitchFamily="49" charset="0"/>
+                <a:cs typeface="Consolas" panose="020B0609020204030204" pitchFamily="49" charset="0"/>
+              </a:rPr>
+              <a:t>env</a:t>
+            </a:r>
+            <a:r>
+              <a:rPr lang="en-US" sz="800" dirty="0">
+                <a:latin typeface="Consolas" panose="020B0609020204030204" pitchFamily="49" charset="0"/>
+                <a:cs typeface="Consolas" panose="020B0609020204030204" pitchFamily="49" charset="0"/>
+              </a:rPr>
+              <a:t> in</a:t>
+            </a:r>
+          </a:p>
+          <a:p>
+            <a:r>
+              <a:rPr lang="en-US" sz="800" dirty="0">
+                <a:latin typeface="Consolas" panose="020B0609020204030204" pitchFamily="49" charset="0"/>
+                <a:cs typeface="Consolas" panose="020B0609020204030204" pitchFamily="49" charset="0"/>
+              </a:rPr>
+              <a:t>let e2is = </a:t>
+            </a:r>
+            <a:r>
+              <a:rPr lang="en-US" sz="800" dirty="0" err="1">
+                <a:latin typeface="Consolas" panose="020B0609020204030204" pitchFamily="49" charset="0"/>
+                <a:cs typeface="Consolas" panose="020B0609020204030204" pitchFamily="49" charset="0"/>
+              </a:rPr>
+              <a:t>e_to_is</a:t>
+            </a:r>
+            <a:r>
+              <a:rPr lang="en-US" sz="800" dirty="0">
+                <a:latin typeface="Consolas" panose="020B0609020204030204" pitchFamily="49" charset="0"/>
+                <a:cs typeface="Consolas" panose="020B0609020204030204" pitchFamily="49" charset="0"/>
+              </a:rPr>
+              <a:t> e2 (</a:t>
+            </a:r>
+            <a:r>
+              <a:rPr lang="en-US" sz="800" dirty="0" err="1">
+                <a:latin typeface="Consolas" panose="020B0609020204030204" pitchFamily="49" charset="0"/>
+                <a:cs typeface="Consolas" panose="020B0609020204030204" pitchFamily="49" charset="0"/>
+              </a:rPr>
+              <a:t>si</a:t>
+            </a:r>
+            <a:r>
+              <a:rPr lang="en-US" sz="800" dirty="0">
+                <a:latin typeface="Consolas" panose="020B0609020204030204" pitchFamily="49" charset="0"/>
+                <a:cs typeface="Consolas" panose="020B0609020204030204" pitchFamily="49" charset="0"/>
+              </a:rPr>
+              <a:t> + 1) </a:t>
+            </a:r>
+            <a:r>
+              <a:rPr lang="en-US" sz="800" dirty="0" err="1">
+                <a:latin typeface="Consolas" panose="020B0609020204030204" pitchFamily="49" charset="0"/>
+                <a:cs typeface="Consolas" panose="020B0609020204030204" pitchFamily="49" charset="0"/>
+              </a:rPr>
+              <a:t>env</a:t>
+            </a:r>
+            <a:r>
+              <a:rPr lang="en-US" sz="800" dirty="0">
+                <a:latin typeface="Consolas" panose="020B0609020204030204" pitchFamily="49" charset="0"/>
+                <a:cs typeface="Consolas" panose="020B0609020204030204" pitchFamily="49" charset="0"/>
+              </a:rPr>
+              <a:t> in</a:t>
+            </a:r>
+          </a:p>
+          <a:p>
+            <a:r>
+              <a:rPr lang="en-US" sz="800" dirty="0">
+                <a:latin typeface="Consolas" panose="020B0609020204030204" pitchFamily="49" charset="0"/>
+                <a:cs typeface="Consolas" panose="020B0609020204030204" pitchFamily="49" charset="0"/>
+              </a:rPr>
+              <a:t>e1is @</a:t>
+            </a:r>
+          </a:p>
+          <a:p>
+            <a:r>
+              <a:rPr lang="en-US" sz="800" dirty="0">
+                <a:latin typeface="Consolas" panose="020B0609020204030204" pitchFamily="49" charset="0"/>
+                <a:cs typeface="Consolas" panose="020B0609020204030204" pitchFamily="49" charset="0"/>
+              </a:rPr>
+              <a:t>[</a:t>
+            </a:r>
+            <a:r>
+              <a:rPr lang="en-US" sz="800" dirty="0" err="1">
+                <a:latin typeface="Consolas" panose="020B0609020204030204" pitchFamily="49" charset="0"/>
+                <a:cs typeface="Consolas" panose="020B0609020204030204" pitchFamily="49" charset="0"/>
+              </a:rPr>
+              <a:t>sprintf</a:t>
+            </a:r>
+            <a:r>
+              <a:rPr lang="en-US" sz="800" dirty="0">
+                <a:latin typeface="Consolas" panose="020B0609020204030204" pitchFamily="49" charset="0"/>
+                <a:cs typeface="Consolas" panose="020B0609020204030204" pitchFamily="49" charset="0"/>
+              </a:rPr>
+              <a:t> "</a:t>
+            </a:r>
+            <a:r>
+              <a:rPr lang="en-US" sz="800" dirty="0" err="1">
+                <a:latin typeface="Consolas" panose="020B0609020204030204" pitchFamily="49" charset="0"/>
+                <a:cs typeface="Consolas" panose="020B0609020204030204" pitchFamily="49" charset="0"/>
+              </a:rPr>
+              <a:t>mov</a:t>
+            </a:r>
+            <a:r>
+              <a:rPr lang="en-US" sz="800" dirty="0">
+                <a:latin typeface="Consolas" panose="020B0609020204030204" pitchFamily="49" charset="0"/>
+                <a:cs typeface="Consolas" panose="020B0609020204030204" pitchFamily="49" charset="0"/>
+              </a:rPr>
+              <a:t> %s, </a:t>
+            </a:r>
+            <a:r>
+              <a:rPr lang="en-US" sz="800" dirty="0" err="1">
+                <a:latin typeface="Consolas" panose="020B0609020204030204" pitchFamily="49" charset="0"/>
+                <a:cs typeface="Consolas" panose="020B0609020204030204" pitchFamily="49" charset="0"/>
+              </a:rPr>
+              <a:t>eax</a:t>
+            </a:r>
+            <a:r>
+              <a:rPr lang="en-US" sz="800" dirty="0">
+                <a:latin typeface="Consolas" panose="020B0609020204030204" pitchFamily="49" charset="0"/>
+                <a:cs typeface="Consolas" panose="020B0609020204030204" pitchFamily="49" charset="0"/>
+              </a:rPr>
+              <a:t>" (</a:t>
+            </a:r>
+            <a:r>
+              <a:rPr lang="en-US" sz="800" dirty="0" err="1">
+                <a:latin typeface="Consolas" panose="020B0609020204030204" pitchFamily="49" charset="0"/>
+                <a:cs typeface="Consolas" panose="020B0609020204030204" pitchFamily="49" charset="0"/>
+              </a:rPr>
+              <a:t>stackval</a:t>
+            </a:r>
+            <a:r>
+              <a:rPr lang="en-US" sz="800" dirty="0">
+                <a:latin typeface="Consolas" panose="020B0609020204030204" pitchFamily="49" charset="0"/>
+                <a:cs typeface="Consolas" panose="020B0609020204030204" pitchFamily="49" charset="0"/>
+              </a:rPr>
+              <a:t> </a:t>
+            </a:r>
+            <a:r>
+              <a:rPr lang="en-US" sz="800" dirty="0" err="1">
+                <a:latin typeface="Consolas" panose="020B0609020204030204" pitchFamily="49" charset="0"/>
+                <a:cs typeface="Consolas" panose="020B0609020204030204" pitchFamily="49" charset="0"/>
+              </a:rPr>
+              <a:t>si</a:t>
+            </a:r>
+            <a:r>
+              <a:rPr lang="en-US" sz="800" dirty="0">
+                <a:latin typeface="Consolas" panose="020B0609020204030204" pitchFamily="49" charset="0"/>
+                <a:cs typeface="Consolas" panose="020B0609020204030204" pitchFamily="49" charset="0"/>
+              </a:rPr>
+              <a:t>)] @</a:t>
+            </a:r>
+          </a:p>
+          <a:p>
+            <a:r>
+              <a:rPr lang="en-US" sz="800" dirty="0">
+                <a:latin typeface="Consolas" panose="020B0609020204030204" pitchFamily="49" charset="0"/>
+                <a:cs typeface="Consolas" panose="020B0609020204030204" pitchFamily="49" charset="0"/>
+              </a:rPr>
+              <a:t>e2is @</a:t>
+            </a:r>
+          </a:p>
+          <a:p>
+            <a:r>
+              <a:rPr lang="en-US" sz="800" dirty="0">
+                <a:latin typeface="Consolas" panose="020B0609020204030204" pitchFamily="49" charset="0"/>
+                <a:cs typeface="Consolas" panose="020B0609020204030204" pitchFamily="49" charset="0"/>
+              </a:rPr>
+              <a:t>[</a:t>
+            </a:r>
+            <a:r>
+              <a:rPr lang="en-US" sz="800" dirty="0" err="1">
+                <a:latin typeface="Consolas" panose="020B0609020204030204" pitchFamily="49" charset="0"/>
+                <a:cs typeface="Consolas" panose="020B0609020204030204" pitchFamily="49" charset="0"/>
+              </a:rPr>
+              <a:t>sprintf</a:t>
+            </a:r>
+            <a:r>
+              <a:rPr lang="en-US" sz="800" dirty="0">
+                <a:latin typeface="Consolas" panose="020B0609020204030204" pitchFamily="49" charset="0"/>
+                <a:cs typeface="Consolas" panose="020B0609020204030204" pitchFamily="49" charset="0"/>
+              </a:rPr>
+              <a:t> "</a:t>
+            </a:r>
+            <a:r>
+              <a:rPr lang="en-US" sz="800" dirty="0" err="1">
+                <a:latin typeface="Consolas" panose="020B0609020204030204" pitchFamily="49" charset="0"/>
+                <a:cs typeface="Consolas" panose="020B0609020204030204" pitchFamily="49" charset="0"/>
+              </a:rPr>
+              <a:t>mov</a:t>
+            </a:r>
+            <a:r>
+              <a:rPr lang="en-US" sz="800" dirty="0">
+                <a:latin typeface="Consolas" panose="020B0609020204030204" pitchFamily="49" charset="0"/>
+                <a:cs typeface="Consolas" panose="020B0609020204030204" pitchFamily="49" charset="0"/>
+              </a:rPr>
+              <a:t> %s, </a:t>
+            </a:r>
+            <a:r>
+              <a:rPr lang="en-US" sz="800" dirty="0" err="1">
+                <a:latin typeface="Consolas" panose="020B0609020204030204" pitchFamily="49" charset="0"/>
+                <a:cs typeface="Consolas" panose="020B0609020204030204" pitchFamily="49" charset="0"/>
+              </a:rPr>
+              <a:t>eax</a:t>
+            </a:r>
+            <a:r>
+              <a:rPr lang="en-US" sz="800" dirty="0">
+                <a:latin typeface="Consolas" panose="020B0609020204030204" pitchFamily="49" charset="0"/>
+                <a:cs typeface="Consolas" panose="020B0609020204030204" pitchFamily="49" charset="0"/>
+              </a:rPr>
+              <a:t>" (</a:t>
+            </a:r>
+            <a:r>
+              <a:rPr lang="en-US" sz="800" dirty="0" err="1">
+                <a:latin typeface="Consolas" panose="020B0609020204030204" pitchFamily="49" charset="0"/>
+                <a:cs typeface="Consolas" panose="020B0609020204030204" pitchFamily="49" charset="0"/>
+              </a:rPr>
+              <a:t>stackval</a:t>
+            </a:r>
+            <a:r>
+              <a:rPr lang="en-US" sz="800" dirty="0">
+                <a:latin typeface="Consolas" panose="020B0609020204030204" pitchFamily="49" charset="0"/>
+                <a:cs typeface="Consolas" panose="020B0609020204030204" pitchFamily="49" charset="0"/>
+              </a:rPr>
+              <a:t> (</a:t>
+            </a:r>
+            <a:r>
+              <a:rPr lang="en-US" sz="800" dirty="0" err="1">
+                <a:latin typeface="Consolas" panose="020B0609020204030204" pitchFamily="49" charset="0"/>
+                <a:cs typeface="Consolas" panose="020B0609020204030204" pitchFamily="49" charset="0"/>
+              </a:rPr>
+              <a:t>si</a:t>
+            </a:r>
+            <a:r>
+              <a:rPr lang="en-US" sz="800" dirty="0">
+                <a:latin typeface="Consolas" panose="020B0609020204030204" pitchFamily="49" charset="0"/>
+                <a:cs typeface="Consolas" panose="020B0609020204030204" pitchFamily="49" charset="0"/>
+              </a:rPr>
+              <a:t> + 1));</a:t>
+            </a:r>
+          </a:p>
+          <a:p>
+            <a:r>
+              <a:rPr lang="en-US" sz="800" dirty="0">
+                <a:latin typeface="Consolas" panose="020B0609020204030204" pitchFamily="49" charset="0"/>
+                <a:cs typeface="Consolas" panose="020B0609020204030204" pitchFamily="49" charset="0"/>
+              </a:rPr>
+              <a:t> </a:t>
+            </a:r>
+            <a:r>
+              <a:rPr lang="en-US" sz="800" dirty="0" err="1">
+                <a:latin typeface="Consolas" panose="020B0609020204030204" pitchFamily="49" charset="0"/>
+                <a:cs typeface="Consolas" panose="020B0609020204030204" pitchFamily="49" charset="0"/>
+              </a:rPr>
+              <a:t>sprintf</a:t>
+            </a:r>
+            <a:r>
+              <a:rPr lang="en-US" sz="800" dirty="0">
+                <a:latin typeface="Consolas" panose="020B0609020204030204" pitchFamily="49" charset="0"/>
+                <a:cs typeface="Consolas" panose="020B0609020204030204" pitchFamily="49" charset="0"/>
+              </a:rPr>
+              <a:t> "</a:t>
+            </a:r>
+            <a:r>
+              <a:rPr lang="en-US" sz="800" dirty="0" err="1">
+                <a:latin typeface="Consolas" panose="020B0609020204030204" pitchFamily="49" charset="0"/>
+                <a:cs typeface="Consolas" panose="020B0609020204030204" pitchFamily="49" charset="0"/>
+              </a:rPr>
+              <a:t>mov</a:t>
+            </a:r>
+            <a:r>
+              <a:rPr lang="en-US" sz="800" dirty="0">
+                <a:latin typeface="Consolas" panose="020B0609020204030204" pitchFamily="49" charset="0"/>
+                <a:cs typeface="Consolas" panose="020B0609020204030204" pitchFamily="49" charset="0"/>
+              </a:rPr>
+              <a:t> </a:t>
+            </a:r>
+            <a:r>
+              <a:rPr lang="en-US" sz="800" dirty="0" err="1">
+                <a:latin typeface="Consolas" panose="020B0609020204030204" pitchFamily="49" charset="0"/>
+                <a:cs typeface="Consolas" panose="020B0609020204030204" pitchFamily="49" charset="0"/>
+              </a:rPr>
+              <a:t>eax</a:t>
+            </a:r>
+            <a:r>
+              <a:rPr lang="en-US" sz="800" dirty="0">
+                <a:latin typeface="Consolas" panose="020B0609020204030204" pitchFamily="49" charset="0"/>
+                <a:cs typeface="Consolas" panose="020B0609020204030204" pitchFamily="49" charset="0"/>
+              </a:rPr>
+              <a:t>, %s" (</a:t>
+            </a:r>
+            <a:r>
+              <a:rPr lang="en-US" sz="800" dirty="0" err="1">
+                <a:latin typeface="Consolas" panose="020B0609020204030204" pitchFamily="49" charset="0"/>
+                <a:cs typeface="Consolas" panose="020B0609020204030204" pitchFamily="49" charset="0"/>
+              </a:rPr>
+              <a:t>stackval</a:t>
+            </a:r>
+            <a:r>
+              <a:rPr lang="en-US" sz="800" dirty="0">
+                <a:latin typeface="Consolas" panose="020B0609020204030204" pitchFamily="49" charset="0"/>
+                <a:cs typeface="Consolas" panose="020B0609020204030204" pitchFamily="49" charset="0"/>
+              </a:rPr>
+              <a:t> </a:t>
+            </a:r>
+            <a:r>
+              <a:rPr lang="en-US" sz="800" dirty="0" err="1">
+                <a:latin typeface="Consolas" panose="020B0609020204030204" pitchFamily="49" charset="0"/>
+                <a:cs typeface="Consolas" panose="020B0609020204030204" pitchFamily="49" charset="0"/>
+              </a:rPr>
+              <a:t>si</a:t>
+            </a:r>
+            <a:r>
+              <a:rPr lang="en-US" sz="800" dirty="0">
+                <a:latin typeface="Consolas" panose="020B0609020204030204" pitchFamily="49" charset="0"/>
+                <a:cs typeface="Consolas" panose="020B0609020204030204" pitchFamily="49" charset="0"/>
+              </a:rPr>
+              <a:t>);</a:t>
+            </a:r>
+          </a:p>
+          <a:p>
+            <a:r>
+              <a:rPr lang="en-US" sz="800" dirty="0">
+                <a:latin typeface="Consolas" panose="020B0609020204030204" pitchFamily="49" charset="0"/>
+                <a:cs typeface="Consolas" panose="020B0609020204030204" pitchFamily="49" charset="0"/>
+              </a:rPr>
+              <a:t> </a:t>
+            </a:r>
+            <a:r>
+              <a:rPr lang="en-US" sz="800" dirty="0" err="1">
+                <a:latin typeface="Consolas" panose="020B0609020204030204" pitchFamily="49" charset="0"/>
+                <a:cs typeface="Consolas" panose="020B0609020204030204" pitchFamily="49" charset="0"/>
+              </a:rPr>
+              <a:t>sprintf</a:t>
+            </a:r>
+            <a:r>
+              <a:rPr lang="en-US" sz="800" dirty="0">
+                <a:latin typeface="Consolas" panose="020B0609020204030204" pitchFamily="49" charset="0"/>
+                <a:cs typeface="Consolas" panose="020B0609020204030204" pitchFamily="49" charset="0"/>
+              </a:rPr>
+              <a:t> "add </a:t>
+            </a:r>
+            <a:r>
+              <a:rPr lang="en-US" sz="800" dirty="0" err="1">
+                <a:latin typeface="Consolas" panose="020B0609020204030204" pitchFamily="49" charset="0"/>
+                <a:cs typeface="Consolas" panose="020B0609020204030204" pitchFamily="49" charset="0"/>
+              </a:rPr>
+              <a:t>eax</a:t>
+            </a:r>
+            <a:r>
+              <a:rPr lang="en-US" sz="800" dirty="0">
+                <a:latin typeface="Consolas" panose="020B0609020204030204" pitchFamily="49" charset="0"/>
+                <a:cs typeface="Consolas" panose="020B0609020204030204" pitchFamily="49" charset="0"/>
+              </a:rPr>
+              <a:t>, %s" (</a:t>
+            </a:r>
+            <a:r>
+              <a:rPr lang="en-US" sz="800" dirty="0" err="1">
+                <a:latin typeface="Consolas" panose="020B0609020204030204" pitchFamily="49" charset="0"/>
+                <a:cs typeface="Consolas" panose="020B0609020204030204" pitchFamily="49" charset="0"/>
+              </a:rPr>
+              <a:t>stackval</a:t>
+            </a:r>
+            <a:r>
+              <a:rPr lang="en-US" sz="800" dirty="0">
+                <a:latin typeface="Consolas" panose="020B0609020204030204" pitchFamily="49" charset="0"/>
+                <a:cs typeface="Consolas" panose="020B0609020204030204" pitchFamily="49" charset="0"/>
+              </a:rPr>
+              <a:t> (</a:t>
+            </a:r>
+            <a:r>
+              <a:rPr lang="en-US" sz="800" dirty="0" err="1">
+                <a:latin typeface="Consolas" panose="020B0609020204030204" pitchFamily="49" charset="0"/>
+                <a:cs typeface="Consolas" panose="020B0609020204030204" pitchFamily="49" charset="0"/>
+              </a:rPr>
+              <a:t>si</a:t>
+            </a:r>
+            <a:r>
+              <a:rPr lang="en-US" sz="800" dirty="0">
+                <a:latin typeface="Consolas" panose="020B0609020204030204" pitchFamily="49" charset="0"/>
+                <a:cs typeface="Consolas" panose="020B0609020204030204" pitchFamily="49" charset="0"/>
+              </a:rPr>
+              <a:t> + 1))]</a:t>
+            </a:r>
+          </a:p>
+        </p:txBody>
+      </p:sp>
+      <p:cxnSp>
+        <p:nvCxnSpPr>
+          <p:cNvPr id="51" name="Straight Arrow Connector 50">
+            <a:extLst>
+              <a:ext uri="{FF2B5EF4-FFF2-40B4-BE49-F238E27FC236}">
+                <a16:creationId xmlns:a16="http://schemas.microsoft.com/office/drawing/2014/main" id="{9BEC210E-1670-4A4B-8434-EB35A4ADB089}"/>
+              </a:ext>
+            </a:extLst>
+          </p:cNvPr>
+          <p:cNvCxnSpPr>
+            <a:stCxn id="5" idx="2"/>
+            <a:endCxn id="7" idx="0"/>
+          </p:cNvCxnSpPr>
+          <p:nvPr/>
+        </p:nvCxnSpPr>
+        <p:spPr>
+          <a:xfrm flipH="1">
+            <a:off x="1781735" y="1319922"/>
+            <a:ext cx="3539939" cy="286055"/>
+          </a:xfrm>
+          <a:prstGeom prst="straightConnector1">
+            <a:avLst/>
+          </a:prstGeom>
+          <a:ln>
+            <a:tailEnd type="triangle"/>
+          </a:ln>
+        </p:spPr>
+        <p:style>
+          <a:lnRef idx="1">
+            <a:schemeClr val="accent1"/>
+          </a:lnRef>
+          <a:fillRef idx="0">
+            <a:schemeClr val="accent1"/>
+          </a:fillRef>
+          <a:effectRef idx="0">
+            <a:schemeClr val="accent1"/>
+          </a:effectRef>
+          <a:fontRef idx="minor">
+            <a:schemeClr val="tx1"/>
+          </a:fontRef>
+        </p:style>
+      </p:cxnSp>
+      <p:cxnSp>
+        <p:nvCxnSpPr>
+          <p:cNvPr id="55" name="Straight Arrow Connector 54">
+            <a:extLst>
+              <a:ext uri="{FF2B5EF4-FFF2-40B4-BE49-F238E27FC236}">
+                <a16:creationId xmlns:a16="http://schemas.microsoft.com/office/drawing/2014/main" id="{F5DE5ED4-F160-3B41-9AF9-E57AF5C43F71}"/>
+              </a:ext>
+            </a:extLst>
+          </p:cNvPr>
+          <p:cNvCxnSpPr>
+            <a:cxnSpLocks/>
+            <a:stCxn id="5" idx="2"/>
+            <a:endCxn id="9" idx="0"/>
+          </p:cNvCxnSpPr>
+          <p:nvPr/>
+        </p:nvCxnSpPr>
+        <p:spPr>
+          <a:xfrm flipH="1">
+            <a:off x="4995583" y="1319922"/>
+            <a:ext cx="326091" cy="270697"/>
+          </a:xfrm>
+          <a:prstGeom prst="straightConnector1">
+            <a:avLst/>
+          </a:prstGeom>
+          <a:ln>
+            <a:tailEnd type="triangle"/>
+          </a:ln>
+        </p:spPr>
+        <p:style>
+          <a:lnRef idx="1">
+            <a:schemeClr val="accent1"/>
+          </a:lnRef>
+          <a:fillRef idx="0">
+            <a:schemeClr val="accent1"/>
+          </a:fillRef>
+          <a:effectRef idx="0">
+            <a:schemeClr val="accent1"/>
+          </a:effectRef>
+          <a:fontRef idx="minor">
+            <a:schemeClr val="tx1"/>
+          </a:fontRef>
+        </p:style>
+      </p:cxnSp>
+      <p:sp>
+        <p:nvSpPr>
+          <p:cNvPr id="59" name="TextBox 58">
+            <a:extLst>
+              <a:ext uri="{FF2B5EF4-FFF2-40B4-BE49-F238E27FC236}">
+                <a16:creationId xmlns:a16="http://schemas.microsoft.com/office/drawing/2014/main" id="{DEA5876E-A214-4143-98F4-C5C46F47D811}"/>
+              </a:ext>
+            </a:extLst>
+          </p:cNvPr>
+          <p:cNvSpPr txBox="1"/>
+          <p:nvPr/>
+        </p:nvSpPr>
+        <p:spPr>
+          <a:xfrm>
+            <a:off x="806823" y="2648900"/>
+            <a:ext cx="1438835" cy="276999"/>
+          </a:xfrm>
+          <a:prstGeom prst="rect">
+            <a:avLst/>
+          </a:prstGeom>
+          <a:noFill/>
+        </p:spPr>
+        <p:txBody>
+          <a:bodyPr wrap="square" rtlCol="0">
+            <a:spAutoFit/>
+          </a:bodyPr>
+          <a:lstStyle/>
+          <a:p>
+            <a:r>
+              <a:rPr lang="en-US" sz="1200" dirty="0"/>
+              <a:t>(+ 5 (+ 1 3))</a:t>
+            </a:r>
+          </a:p>
+        </p:txBody>
+      </p:sp>
+      <p:cxnSp>
+        <p:nvCxnSpPr>
+          <p:cNvPr id="60" name="Straight Connector 59">
+            <a:extLst>
+              <a:ext uri="{FF2B5EF4-FFF2-40B4-BE49-F238E27FC236}">
+                <a16:creationId xmlns:a16="http://schemas.microsoft.com/office/drawing/2014/main" id="{0CD6C774-600D-4541-83FB-5DF80D6A8163}"/>
+              </a:ext>
+            </a:extLst>
+          </p:cNvPr>
+          <p:cNvCxnSpPr/>
+          <p:nvPr/>
+        </p:nvCxnSpPr>
+        <p:spPr>
+          <a:xfrm>
+            <a:off x="880786" y="3227416"/>
+            <a:ext cx="1586753" cy="0"/>
+          </a:xfrm>
+          <a:prstGeom prst="line">
+            <a:avLst/>
+          </a:prstGeom>
+        </p:spPr>
+        <p:style>
+          <a:lnRef idx="1">
+            <a:schemeClr val="accent1"/>
+          </a:lnRef>
+          <a:fillRef idx="0">
+            <a:schemeClr val="accent1"/>
+          </a:fillRef>
+          <a:effectRef idx="0">
+            <a:schemeClr val="accent1"/>
+          </a:effectRef>
+          <a:fontRef idx="minor">
+            <a:schemeClr val="tx1"/>
+          </a:fontRef>
+        </p:style>
+      </p:cxnSp>
+      <p:cxnSp>
+        <p:nvCxnSpPr>
+          <p:cNvPr id="61" name="Straight Connector 60">
+            <a:extLst>
+              <a:ext uri="{FF2B5EF4-FFF2-40B4-BE49-F238E27FC236}">
+                <a16:creationId xmlns:a16="http://schemas.microsoft.com/office/drawing/2014/main" id="{2BE5FC74-D6D2-5745-B80B-873762DAA0F2}"/>
+              </a:ext>
+            </a:extLst>
+          </p:cNvPr>
+          <p:cNvCxnSpPr/>
+          <p:nvPr/>
+        </p:nvCxnSpPr>
+        <p:spPr>
+          <a:xfrm>
+            <a:off x="880788" y="3457809"/>
+            <a:ext cx="1586753" cy="0"/>
+          </a:xfrm>
+          <a:prstGeom prst="line">
+            <a:avLst/>
+          </a:prstGeom>
+        </p:spPr>
+        <p:style>
+          <a:lnRef idx="1">
+            <a:schemeClr val="accent1"/>
+          </a:lnRef>
+          <a:fillRef idx="0">
+            <a:schemeClr val="accent1"/>
+          </a:fillRef>
+          <a:effectRef idx="0">
+            <a:schemeClr val="accent1"/>
+          </a:effectRef>
+          <a:fontRef idx="minor">
+            <a:schemeClr val="tx1"/>
+          </a:fontRef>
+        </p:style>
+      </p:cxnSp>
+      <p:cxnSp>
+        <p:nvCxnSpPr>
+          <p:cNvPr id="62" name="Straight Connector 61">
+            <a:extLst>
+              <a:ext uri="{FF2B5EF4-FFF2-40B4-BE49-F238E27FC236}">
+                <a16:creationId xmlns:a16="http://schemas.microsoft.com/office/drawing/2014/main" id="{E7A04468-D663-D442-85A0-87B631CA247F}"/>
+              </a:ext>
+            </a:extLst>
+          </p:cNvPr>
+          <p:cNvCxnSpPr/>
+          <p:nvPr/>
+        </p:nvCxnSpPr>
+        <p:spPr>
+          <a:xfrm>
+            <a:off x="880788" y="3688202"/>
+            <a:ext cx="1586753" cy="0"/>
+          </a:xfrm>
+          <a:prstGeom prst="line">
+            <a:avLst/>
+          </a:prstGeom>
+        </p:spPr>
+        <p:style>
+          <a:lnRef idx="1">
+            <a:schemeClr val="accent1"/>
+          </a:lnRef>
+          <a:fillRef idx="0">
+            <a:schemeClr val="accent1"/>
+          </a:fillRef>
+          <a:effectRef idx="0">
+            <a:schemeClr val="accent1"/>
+          </a:effectRef>
+          <a:fontRef idx="minor">
+            <a:schemeClr val="tx1"/>
+          </a:fontRef>
+        </p:style>
+      </p:cxnSp>
+      <p:cxnSp>
+        <p:nvCxnSpPr>
+          <p:cNvPr id="63" name="Straight Connector 62">
+            <a:extLst>
+              <a:ext uri="{FF2B5EF4-FFF2-40B4-BE49-F238E27FC236}">
+                <a16:creationId xmlns:a16="http://schemas.microsoft.com/office/drawing/2014/main" id="{0BA72F6D-3298-0A46-95A2-841762438FF7}"/>
+              </a:ext>
+            </a:extLst>
+          </p:cNvPr>
+          <p:cNvCxnSpPr/>
+          <p:nvPr/>
+        </p:nvCxnSpPr>
+        <p:spPr>
+          <a:xfrm>
+            <a:off x="880788" y="3918595"/>
+            <a:ext cx="1586753" cy="0"/>
+          </a:xfrm>
+          <a:prstGeom prst="line">
+            <a:avLst/>
+          </a:prstGeom>
+        </p:spPr>
+        <p:style>
+          <a:lnRef idx="1">
+            <a:schemeClr val="accent1"/>
+          </a:lnRef>
+          <a:fillRef idx="0">
+            <a:schemeClr val="accent1"/>
+          </a:fillRef>
+          <a:effectRef idx="0">
+            <a:schemeClr val="accent1"/>
+          </a:effectRef>
+          <a:fontRef idx="minor">
+            <a:schemeClr val="tx1"/>
+          </a:fontRef>
+        </p:style>
+      </p:cxnSp>
+      <p:cxnSp>
+        <p:nvCxnSpPr>
+          <p:cNvPr id="64" name="Straight Connector 63">
+            <a:extLst>
+              <a:ext uri="{FF2B5EF4-FFF2-40B4-BE49-F238E27FC236}">
+                <a16:creationId xmlns:a16="http://schemas.microsoft.com/office/drawing/2014/main" id="{934F7603-9B77-FA4A-8649-F2B874ADCE5A}"/>
+              </a:ext>
+            </a:extLst>
+          </p:cNvPr>
+          <p:cNvCxnSpPr/>
+          <p:nvPr/>
+        </p:nvCxnSpPr>
+        <p:spPr>
+          <a:xfrm>
+            <a:off x="880785" y="4148988"/>
+            <a:ext cx="1586753" cy="0"/>
+          </a:xfrm>
+          <a:prstGeom prst="line">
+            <a:avLst/>
+          </a:prstGeom>
+        </p:spPr>
+        <p:style>
+          <a:lnRef idx="1">
+            <a:schemeClr val="accent1"/>
+          </a:lnRef>
+          <a:fillRef idx="0">
+            <a:schemeClr val="accent1"/>
+          </a:fillRef>
+          <a:effectRef idx="0">
+            <a:schemeClr val="accent1"/>
+          </a:effectRef>
+          <a:fontRef idx="minor">
+            <a:schemeClr val="tx1"/>
+          </a:fontRef>
+        </p:style>
+      </p:cxnSp>
+      <p:cxnSp>
+        <p:nvCxnSpPr>
+          <p:cNvPr id="65" name="Straight Connector 64">
+            <a:extLst>
+              <a:ext uri="{FF2B5EF4-FFF2-40B4-BE49-F238E27FC236}">
+                <a16:creationId xmlns:a16="http://schemas.microsoft.com/office/drawing/2014/main" id="{F778D080-6260-B243-A443-38E94A07C8A7}"/>
+              </a:ext>
+            </a:extLst>
+          </p:cNvPr>
+          <p:cNvCxnSpPr/>
+          <p:nvPr/>
+        </p:nvCxnSpPr>
+        <p:spPr>
+          <a:xfrm>
+            <a:off x="880784" y="4379381"/>
+            <a:ext cx="1586753" cy="0"/>
+          </a:xfrm>
+          <a:prstGeom prst="line">
+            <a:avLst/>
+          </a:prstGeom>
+        </p:spPr>
+        <p:style>
+          <a:lnRef idx="1">
+            <a:schemeClr val="accent1"/>
+          </a:lnRef>
+          <a:fillRef idx="0">
+            <a:schemeClr val="accent1"/>
+          </a:fillRef>
+          <a:effectRef idx="0">
+            <a:schemeClr val="accent1"/>
+          </a:effectRef>
+          <a:fontRef idx="minor">
+            <a:schemeClr val="tx1"/>
+          </a:fontRef>
+        </p:style>
+      </p:cxnSp>
+      <p:cxnSp>
+        <p:nvCxnSpPr>
+          <p:cNvPr id="115" name="Straight Connector 114">
+            <a:extLst>
+              <a:ext uri="{FF2B5EF4-FFF2-40B4-BE49-F238E27FC236}">
+                <a16:creationId xmlns:a16="http://schemas.microsoft.com/office/drawing/2014/main" id="{8CF146F0-12C7-C14E-9FA1-024EB9CD14CC}"/>
+              </a:ext>
+            </a:extLst>
+          </p:cNvPr>
+          <p:cNvCxnSpPr/>
+          <p:nvPr/>
+        </p:nvCxnSpPr>
+        <p:spPr>
+          <a:xfrm>
+            <a:off x="880783" y="4609774"/>
+            <a:ext cx="1586753" cy="0"/>
+          </a:xfrm>
+          <a:prstGeom prst="line">
+            <a:avLst/>
+          </a:prstGeom>
+        </p:spPr>
+        <p:style>
+          <a:lnRef idx="1">
+            <a:schemeClr val="accent1"/>
+          </a:lnRef>
+          <a:fillRef idx="0">
+            <a:schemeClr val="accent1"/>
+          </a:fillRef>
+          <a:effectRef idx="0">
+            <a:schemeClr val="accent1"/>
+          </a:effectRef>
+          <a:fontRef idx="minor">
+            <a:schemeClr val="tx1"/>
+          </a:fontRef>
+        </p:style>
+      </p:cxnSp>
+      <p:cxnSp>
+        <p:nvCxnSpPr>
+          <p:cNvPr id="118" name="Straight Connector 117">
+            <a:extLst>
+              <a:ext uri="{FF2B5EF4-FFF2-40B4-BE49-F238E27FC236}">
+                <a16:creationId xmlns:a16="http://schemas.microsoft.com/office/drawing/2014/main" id="{7F6A9773-352F-BB45-8722-AC617C5A3FAD}"/>
+              </a:ext>
+            </a:extLst>
+          </p:cNvPr>
+          <p:cNvCxnSpPr/>
+          <p:nvPr/>
+        </p:nvCxnSpPr>
+        <p:spPr>
+          <a:xfrm>
+            <a:off x="880783" y="4840167"/>
+            <a:ext cx="1586753" cy="0"/>
+          </a:xfrm>
+          <a:prstGeom prst="line">
+            <a:avLst/>
+          </a:prstGeom>
+        </p:spPr>
+        <p:style>
+          <a:lnRef idx="1">
+            <a:schemeClr val="accent1"/>
+          </a:lnRef>
+          <a:fillRef idx="0">
+            <a:schemeClr val="accent1"/>
+          </a:fillRef>
+          <a:effectRef idx="0">
+            <a:schemeClr val="accent1"/>
+          </a:effectRef>
+          <a:fontRef idx="minor">
+            <a:schemeClr val="tx1"/>
+          </a:fontRef>
+        </p:style>
+      </p:cxnSp>
+      <p:cxnSp>
+        <p:nvCxnSpPr>
+          <p:cNvPr id="119" name="Straight Connector 118">
+            <a:extLst>
+              <a:ext uri="{FF2B5EF4-FFF2-40B4-BE49-F238E27FC236}">
+                <a16:creationId xmlns:a16="http://schemas.microsoft.com/office/drawing/2014/main" id="{08852350-0812-464B-B018-6FB4BF5494E4}"/>
+              </a:ext>
+            </a:extLst>
+          </p:cNvPr>
+          <p:cNvCxnSpPr/>
+          <p:nvPr/>
+        </p:nvCxnSpPr>
+        <p:spPr>
+          <a:xfrm>
+            <a:off x="880783" y="5070560"/>
+            <a:ext cx="1586753" cy="0"/>
+          </a:xfrm>
+          <a:prstGeom prst="line">
+            <a:avLst/>
+          </a:prstGeom>
+        </p:spPr>
+        <p:style>
+          <a:lnRef idx="1">
+            <a:schemeClr val="accent1"/>
+          </a:lnRef>
+          <a:fillRef idx="0">
+            <a:schemeClr val="accent1"/>
+          </a:fillRef>
+          <a:effectRef idx="0">
+            <a:schemeClr val="accent1"/>
+          </a:effectRef>
+          <a:fontRef idx="minor">
+            <a:schemeClr val="tx1"/>
+          </a:fontRef>
+        </p:style>
+      </p:cxnSp>
+      <p:cxnSp>
+        <p:nvCxnSpPr>
+          <p:cNvPr id="151" name="Straight Connector 150">
+            <a:extLst>
+              <a:ext uri="{FF2B5EF4-FFF2-40B4-BE49-F238E27FC236}">
+                <a16:creationId xmlns:a16="http://schemas.microsoft.com/office/drawing/2014/main" id="{031CE53F-D07B-614E-AC79-1D4F37EF6955}"/>
+              </a:ext>
+            </a:extLst>
+          </p:cNvPr>
+          <p:cNvCxnSpPr/>
+          <p:nvPr/>
+        </p:nvCxnSpPr>
+        <p:spPr>
+          <a:xfrm>
+            <a:off x="880783" y="5300953"/>
+            <a:ext cx="1586753" cy="0"/>
+          </a:xfrm>
+          <a:prstGeom prst="line">
+            <a:avLst/>
+          </a:prstGeom>
+        </p:spPr>
+        <p:style>
+          <a:lnRef idx="1">
+            <a:schemeClr val="accent1"/>
+          </a:lnRef>
+          <a:fillRef idx="0">
+            <a:schemeClr val="accent1"/>
+          </a:fillRef>
+          <a:effectRef idx="0">
+            <a:schemeClr val="accent1"/>
+          </a:effectRef>
+          <a:fontRef idx="minor">
+            <a:schemeClr val="tx1"/>
+          </a:fontRef>
+        </p:style>
+      </p:cxnSp>
+      <p:cxnSp>
+        <p:nvCxnSpPr>
+          <p:cNvPr id="154" name="Straight Connector 153">
+            <a:extLst>
+              <a:ext uri="{FF2B5EF4-FFF2-40B4-BE49-F238E27FC236}">
+                <a16:creationId xmlns:a16="http://schemas.microsoft.com/office/drawing/2014/main" id="{CC98547B-FC75-1746-9C54-F5542425C5E7}"/>
+              </a:ext>
+            </a:extLst>
+          </p:cNvPr>
+          <p:cNvCxnSpPr/>
+          <p:nvPr/>
+        </p:nvCxnSpPr>
+        <p:spPr>
+          <a:xfrm>
+            <a:off x="880781" y="5531347"/>
+            <a:ext cx="1586753" cy="0"/>
+          </a:xfrm>
+          <a:prstGeom prst="line">
+            <a:avLst/>
+          </a:prstGeom>
+        </p:spPr>
+        <p:style>
+          <a:lnRef idx="1">
+            <a:schemeClr val="accent1"/>
+          </a:lnRef>
+          <a:fillRef idx="0">
+            <a:schemeClr val="accent1"/>
+          </a:fillRef>
+          <a:effectRef idx="0">
+            <a:schemeClr val="accent1"/>
+          </a:effectRef>
+          <a:fontRef idx="minor">
+            <a:schemeClr val="tx1"/>
+          </a:fontRef>
+        </p:style>
+      </p:cxnSp>
+      <p:cxnSp>
+        <p:nvCxnSpPr>
+          <p:cNvPr id="155" name="Straight Connector 154">
+            <a:extLst>
+              <a:ext uri="{FF2B5EF4-FFF2-40B4-BE49-F238E27FC236}">
+                <a16:creationId xmlns:a16="http://schemas.microsoft.com/office/drawing/2014/main" id="{0FE1D3CE-E925-A641-B6A6-02DE20DC584D}"/>
+              </a:ext>
+            </a:extLst>
+          </p:cNvPr>
+          <p:cNvCxnSpPr/>
+          <p:nvPr/>
+        </p:nvCxnSpPr>
+        <p:spPr>
+          <a:xfrm>
+            <a:off x="3768539" y="3221006"/>
+            <a:ext cx="1586753" cy="0"/>
+          </a:xfrm>
+          <a:prstGeom prst="line">
+            <a:avLst/>
+          </a:prstGeom>
+        </p:spPr>
+        <p:style>
+          <a:lnRef idx="1">
+            <a:schemeClr val="accent1"/>
+          </a:lnRef>
+          <a:fillRef idx="0">
+            <a:schemeClr val="accent1"/>
+          </a:fillRef>
+          <a:effectRef idx="0">
+            <a:schemeClr val="accent1"/>
+          </a:effectRef>
+          <a:fontRef idx="minor">
+            <a:schemeClr val="tx1"/>
+          </a:fontRef>
+        </p:style>
+      </p:cxnSp>
+      <p:cxnSp>
+        <p:nvCxnSpPr>
+          <p:cNvPr id="156" name="Straight Connector 155">
+            <a:extLst>
+              <a:ext uri="{FF2B5EF4-FFF2-40B4-BE49-F238E27FC236}">
+                <a16:creationId xmlns:a16="http://schemas.microsoft.com/office/drawing/2014/main" id="{4FD00DFC-7145-3A4F-A083-3F379A83475E}"/>
+              </a:ext>
+            </a:extLst>
+          </p:cNvPr>
+          <p:cNvCxnSpPr/>
+          <p:nvPr/>
+        </p:nvCxnSpPr>
+        <p:spPr>
+          <a:xfrm>
+            <a:off x="3768541" y="3451399"/>
+            <a:ext cx="1586753" cy="0"/>
+          </a:xfrm>
+          <a:prstGeom prst="line">
+            <a:avLst/>
+          </a:prstGeom>
+        </p:spPr>
+        <p:style>
+          <a:lnRef idx="1">
+            <a:schemeClr val="accent1"/>
+          </a:lnRef>
+          <a:fillRef idx="0">
+            <a:schemeClr val="accent1"/>
+          </a:fillRef>
+          <a:effectRef idx="0">
+            <a:schemeClr val="accent1"/>
+          </a:effectRef>
+          <a:fontRef idx="minor">
+            <a:schemeClr val="tx1"/>
+          </a:fontRef>
+        </p:style>
+      </p:cxnSp>
+      <p:cxnSp>
+        <p:nvCxnSpPr>
+          <p:cNvPr id="157" name="Straight Connector 156">
+            <a:extLst>
+              <a:ext uri="{FF2B5EF4-FFF2-40B4-BE49-F238E27FC236}">
+                <a16:creationId xmlns:a16="http://schemas.microsoft.com/office/drawing/2014/main" id="{05CD31F9-4043-0F41-824C-2DF9425BEE50}"/>
+              </a:ext>
+            </a:extLst>
+          </p:cNvPr>
+          <p:cNvCxnSpPr/>
+          <p:nvPr/>
+        </p:nvCxnSpPr>
+        <p:spPr>
+          <a:xfrm>
+            <a:off x="3768541" y="3681792"/>
+            <a:ext cx="1586753" cy="0"/>
+          </a:xfrm>
+          <a:prstGeom prst="line">
+            <a:avLst/>
+          </a:prstGeom>
+        </p:spPr>
+        <p:style>
+          <a:lnRef idx="1">
+            <a:schemeClr val="accent1"/>
+          </a:lnRef>
+          <a:fillRef idx="0">
+            <a:schemeClr val="accent1"/>
+          </a:fillRef>
+          <a:effectRef idx="0">
+            <a:schemeClr val="accent1"/>
+          </a:effectRef>
+          <a:fontRef idx="minor">
+            <a:schemeClr val="tx1"/>
+          </a:fontRef>
+        </p:style>
+      </p:cxnSp>
+      <p:cxnSp>
+        <p:nvCxnSpPr>
+          <p:cNvPr id="158" name="Straight Connector 157">
+            <a:extLst>
+              <a:ext uri="{FF2B5EF4-FFF2-40B4-BE49-F238E27FC236}">
+                <a16:creationId xmlns:a16="http://schemas.microsoft.com/office/drawing/2014/main" id="{4E234144-346A-644D-B9D7-65CA88A983B0}"/>
+              </a:ext>
+            </a:extLst>
+          </p:cNvPr>
+          <p:cNvCxnSpPr/>
+          <p:nvPr/>
+        </p:nvCxnSpPr>
+        <p:spPr>
+          <a:xfrm>
+            <a:off x="3768541" y="3912185"/>
+            <a:ext cx="1586753" cy="0"/>
+          </a:xfrm>
+          <a:prstGeom prst="line">
+            <a:avLst/>
+          </a:prstGeom>
+        </p:spPr>
+        <p:style>
+          <a:lnRef idx="1">
+            <a:schemeClr val="accent1"/>
+          </a:lnRef>
+          <a:fillRef idx="0">
+            <a:schemeClr val="accent1"/>
+          </a:fillRef>
+          <a:effectRef idx="0">
+            <a:schemeClr val="accent1"/>
+          </a:effectRef>
+          <a:fontRef idx="minor">
+            <a:schemeClr val="tx1"/>
+          </a:fontRef>
+        </p:style>
+      </p:cxnSp>
+      <p:cxnSp>
+        <p:nvCxnSpPr>
+          <p:cNvPr id="159" name="Straight Connector 158">
+            <a:extLst>
+              <a:ext uri="{FF2B5EF4-FFF2-40B4-BE49-F238E27FC236}">
+                <a16:creationId xmlns:a16="http://schemas.microsoft.com/office/drawing/2014/main" id="{467D6A88-FF1B-CC42-AFB8-369D448C4487}"/>
+              </a:ext>
+            </a:extLst>
+          </p:cNvPr>
+          <p:cNvCxnSpPr/>
+          <p:nvPr/>
+        </p:nvCxnSpPr>
+        <p:spPr>
+          <a:xfrm>
+            <a:off x="3768538" y="4142578"/>
+            <a:ext cx="1586753" cy="0"/>
+          </a:xfrm>
+          <a:prstGeom prst="line">
+            <a:avLst/>
+          </a:prstGeom>
+        </p:spPr>
+        <p:style>
+          <a:lnRef idx="1">
+            <a:schemeClr val="accent1"/>
+          </a:lnRef>
+          <a:fillRef idx="0">
+            <a:schemeClr val="accent1"/>
+          </a:fillRef>
+          <a:effectRef idx="0">
+            <a:schemeClr val="accent1"/>
+          </a:effectRef>
+          <a:fontRef idx="minor">
+            <a:schemeClr val="tx1"/>
+          </a:fontRef>
+        </p:style>
+      </p:cxnSp>
+      <p:cxnSp>
+        <p:nvCxnSpPr>
+          <p:cNvPr id="160" name="Straight Connector 159">
+            <a:extLst>
+              <a:ext uri="{FF2B5EF4-FFF2-40B4-BE49-F238E27FC236}">
+                <a16:creationId xmlns:a16="http://schemas.microsoft.com/office/drawing/2014/main" id="{F417F3DF-9872-0349-8924-03BEF54DAEC8}"/>
+              </a:ext>
+            </a:extLst>
+          </p:cNvPr>
+          <p:cNvCxnSpPr/>
+          <p:nvPr/>
+        </p:nvCxnSpPr>
+        <p:spPr>
+          <a:xfrm>
+            <a:off x="3768537" y="4372971"/>
+            <a:ext cx="1586753" cy="0"/>
+          </a:xfrm>
+          <a:prstGeom prst="line">
+            <a:avLst/>
+          </a:prstGeom>
+        </p:spPr>
+        <p:style>
+          <a:lnRef idx="1">
+            <a:schemeClr val="accent1"/>
+          </a:lnRef>
+          <a:fillRef idx="0">
+            <a:schemeClr val="accent1"/>
+          </a:fillRef>
+          <a:effectRef idx="0">
+            <a:schemeClr val="accent1"/>
+          </a:effectRef>
+          <a:fontRef idx="minor">
+            <a:schemeClr val="tx1"/>
+          </a:fontRef>
+        </p:style>
+      </p:cxnSp>
+      <p:cxnSp>
+        <p:nvCxnSpPr>
+          <p:cNvPr id="161" name="Straight Connector 160">
+            <a:extLst>
+              <a:ext uri="{FF2B5EF4-FFF2-40B4-BE49-F238E27FC236}">
+                <a16:creationId xmlns:a16="http://schemas.microsoft.com/office/drawing/2014/main" id="{1DCAE945-04A9-A145-BC50-45369FF62D4F}"/>
+              </a:ext>
+            </a:extLst>
+          </p:cNvPr>
+          <p:cNvCxnSpPr/>
+          <p:nvPr/>
+        </p:nvCxnSpPr>
+        <p:spPr>
+          <a:xfrm>
+            <a:off x="3768536" y="4603364"/>
+            <a:ext cx="1586753" cy="0"/>
+          </a:xfrm>
+          <a:prstGeom prst="line">
+            <a:avLst/>
+          </a:prstGeom>
+        </p:spPr>
+        <p:style>
+          <a:lnRef idx="1">
+            <a:schemeClr val="accent1"/>
+          </a:lnRef>
+          <a:fillRef idx="0">
+            <a:schemeClr val="accent1"/>
+          </a:fillRef>
+          <a:effectRef idx="0">
+            <a:schemeClr val="accent1"/>
+          </a:effectRef>
+          <a:fontRef idx="minor">
+            <a:schemeClr val="tx1"/>
+          </a:fontRef>
+        </p:style>
+      </p:cxnSp>
+      <p:cxnSp>
+        <p:nvCxnSpPr>
+          <p:cNvPr id="162" name="Straight Connector 161">
+            <a:extLst>
+              <a:ext uri="{FF2B5EF4-FFF2-40B4-BE49-F238E27FC236}">
+                <a16:creationId xmlns:a16="http://schemas.microsoft.com/office/drawing/2014/main" id="{AEACF199-43C7-C141-ABAC-2539D9A2DCC6}"/>
+              </a:ext>
+            </a:extLst>
+          </p:cNvPr>
+          <p:cNvCxnSpPr/>
+          <p:nvPr/>
+        </p:nvCxnSpPr>
+        <p:spPr>
+          <a:xfrm>
+            <a:off x="3768536" y="4833757"/>
+            <a:ext cx="1586753" cy="0"/>
+          </a:xfrm>
+          <a:prstGeom prst="line">
+            <a:avLst/>
+          </a:prstGeom>
+        </p:spPr>
+        <p:style>
+          <a:lnRef idx="1">
+            <a:schemeClr val="accent1"/>
+          </a:lnRef>
+          <a:fillRef idx="0">
+            <a:schemeClr val="accent1"/>
+          </a:fillRef>
+          <a:effectRef idx="0">
+            <a:schemeClr val="accent1"/>
+          </a:effectRef>
+          <a:fontRef idx="minor">
+            <a:schemeClr val="tx1"/>
+          </a:fontRef>
+        </p:style>
+      </p:cxnSp>
+      <p:cxnSp>
+        <p:nvCxnSpPr>
+          <p:cNvPr id="163" name="Straight Connector 162">
+            <a:extLst>
+              <a:ext uri="{FF2B5EF4-FFF2-40B4-BE49-F238E27FC236}">
+                <a16:creationId xmlns:a16="http://schemas.microsoft.com/office/drawing/2014/main" id="{4BDAFF3E-03C6-B948-B708-FBA70BE1CC3A}"/>
+              </a:ext>
+            </a:extLst>
+          </p:cNvPr>
+          <p:cNvCxnSpPr/>
+          <p:nvPr/>
+        </p:nvCxnSpPr>
+        <p:spPr>
+          <a:xfrm>
+            <a:off x="3768536" y="5064150"/>
+            <a:ext cx="1586753" cy="0"/>
+          </a:xfrm>
+          <a:prstGeom prst="line">
+            <a:avLst/>
+          </a:prstGeom>
+        </p:spPr>
+        <p:style>
+          <a:lnRef idx="1">
+            <a:schemeClr val="accent1"/>
+          </a:lnRef>
+          <a:fillRef idx="0">
+            <a:schemeClr val="accent1"/>
+          </a:fillRef>
+          <a:effectRef idx="0">
+            <a:schemeClr val="accent1"/>
+          </a:effectRef>
+          <a:fontRef idx="minor">
+            <a:schemeClr val="tx1"/>
+          </a:fontRef>
+        </p:style>
+      </p:cxnSp>
+      <p:cxnSp>
+        <p:nvCxnSpPr>
+          <p:cNvPr id="164" name="Straight Connector 163">
+            <a:extLst>
+              <a:ext uri="{FF2B5EF4-FFF2-40B4-BE49-F238E27FC236}">
+                <a16:creationId xmlns:a16="http://schemas.microsoft.com/office/drawing/2014/main" id="{12D31233-5155-624E-BEC4-ADF4EF069B3C}"/>
+              </a:ext>
+            </a:extLst>
+          </p:cNvPr>
+          <p:cNvCxnSpPr/>
+          <p:nvPr/>
+        </p:nvCxnSpPr>
+        <p:spPr>
+          <a:xfrm>
+            <a:off x="3768536" y="5294543"/>
+            <a:ext cx="1586753" cy="0"/>
+          </a:xfrm>
+          <a:prstGeom prst="line">
+            <a:avLst/>
+          </a:prstGeom>
+        </p:spPr>
+        <p:style>
+          <a:lnRef idx="1">
+            <a:schemeClr val="accent1"/>
+          </a:lnRef>
+          <a:fillRef idx="0">
+            <a:schemeClr val="accent1"/>
+          </a:fillRef>
+          <a:effectRef idx="0">
+            <a:schemeClr val="accent1"/>
+          </a:effectRef>
+          <a:fontRef idx="minor">
+            <a:schemeClr val="tx1"/>
+          </a:fontRef>
+        </p:style>
+      </p:cxnSp>
+      <p:cxnSp>
+        <p:nvCxnSpPr>
+          <p:cNvPr id="165" name="Straight Connector 164">
+            <a:extLst>
+              <a:ext uri="{FF2B5EF4-FFF2-40B4-BE49-F238E27FC236}">
+                <a16:creationId xmlns:a16="http://schemas.microsoft.com/office/drawing/2014/main" id="{704ADB67-C7F3-BC48-9360-1B50F3DDA97E}"/>
+              </a:ext>
+            </a:extLst>
+          </p:cNvPr>
+          <p:cNvCxnSpPr/>
+          <p:nvPr/>
+        </p:nvCxnSpPr>
+        <p:spPr>
+          <a:xfrm>
+            <a:off x="3768534" y="5524937"/>
+            <a:ext cx="1586753" cy="0"/>
+          </a:xfrm>
+          <a:prstGeom prst="line">
+            <a:avLst/>
+          </a:prstGeom>
+        </p:spPr>
+        <p:style>
+          <a:lnRef idx="1">
+            <a:schemeClr val="accent1"/>
+          </a:lnRef>
+          <a:fillRef idx="0">
+            <a:schemeClr val="accent1"/>
+          </a:fillRef>
+          <a:effectRef idx="0">
+            <a:schemeClr val="accent1"/>
+          </a:effectRef>
+          <a:fontRef idx="minor">
+            <a:schemeClr val="tx1"/>
+          </a:fontRef>
+        </p:style>
+      </p:cxnSp>
+    </p:spTree>
+    <p:extLst>
+      <p:ext uri="{BB962C8B-B14F-4D97-AF65-F5344CB8AC3E}">
+        <p14:creationId xmlns:p14="http://schemas.microsoft.com/office/powerpoint/2010/main" val="4036395160"/>
+      </p:ext>
+    </p:extLst>
+  </p:cSld>
+  <p:clrMapOvr>
+    <a:masterClrMapping/>
+  </p:clrMapOvr>
+</p:sld>
+</file>
+
+<file path=ppt/slides/slide3.xml><?xml version="1.0" encoding="utf-8"?>
+<p:sld xmlns:a="http://schemas.openxmlformats.org/drawingml/2006/main" xmlns:r="http://schemas.openxmlformats.org/officeDocument/2006/relationships" xmlns:p="http://schemas.openxmlformats.org/presentationml/2006/main">
+  <p:cSld>
+    <p:spTree>
+      <p:nvGrpSpPr>
+        <p:cNvPr id="1" name=""/>
+        <p:cNvGrpSpPr/>
+        <p:nvPr/>
+      </p:nvGrpSpPr>
+      <p:grpSpPr>
+        <a:xfrm>
+          <a:off x="0" y="0"/>
+          <a:ext cx="0" cy="0"/>
+          <a:chOff x="0" y="0"/>
+          <a:chExt cx="0" cy="0"/>
+        </a:xfrm>
+      </p:grpSpPr>
+      <p:sp>
+        <p:nvSpPr>
           <p:cNvPr id="49" name="TextBox 48">
             <a:extLst>
               <a:ext uri="{FF2B5EF4-FFF2-40B4-BE49-F238E27FC236}">
@@ -9669,7 +11875,7 @@
 </p:sld>
 </file>
 
-<file path=ppt/slides/slide3.xml><?xml version="1.0" encoding="utf-8"?>
+<file path=ppt/slides/slide4.xml><?xml version="1.0" encoding="utf-8"?>
 <p:sld xmlns:a="http://schemas.openxmlformats.org/drawingml/2006/main" xmlns:r="http://schemas.openxmlformats.org/officeDocument/2006/relationships" xmlns:p="http://schemas.openxmlformats.org/presentationml/2006/main">
   <p:cSld>
     <p:spTree>
@@ -9842,7 +12048,7 @@
 </p:sld>
 </file>
 
-<file path=ppt/slides/slide4.xml><?xml version="1.0" encoding="utf-8"?>
+<file path=ppt/slides/slide5.xml><?xml version="1.0" encoding="utf-8"?>
 <p:sld xmlns:a="http://schemas.openxmlformats.org/drawingml/2006/main" xmlns:r="http://schemas.openxmlformats.org/officeDocument/2006/relationships" xmlns:p="http://schemas.openxmlformats.org/presentationml/2006/main">
   <p:cSld>
     <p:spTree>
@@ -9990,7 +12196,7 @@
 </p:sld>
 </file>
 
-<file path=ppt/slides/slide5.xml><?xml version="1.0" encoding="utf-8"?>
+<file path=ppt/slides/slide6.xml><?xml version="1.0" encoding="utf-8"?>
 <p:sld xmlns:a="http://schemas.openxmlformats.org/drawingml/2006/main" xmlns:r="http://schemas.openxmlformats.org/officeDocument/2006/relationships" xmlns:p="http://schemas.openxmlformats.org/presentationml/2006/main">
   <p:cSld>
     <p:spTree>
